--- a/Stock Price Predictions & Analysis.pptx
+++ b/Stock Price Predictions & Analysis.pptx
@@ -112,6 +112,11 @@
       </a:defRPr>
     </a:lvl9pPr>
   </p:defaultTextStyle>
+  <p:extLst>
+    <p:ext uri="{EFAFB233-063F-42B5-8137-9DF3F51BA10A}">
+      <p15:sldGuideLst xmlns:p15="http://schemas.microsoft.com/office/powerpoint/2012/main"/>
+    </p:ext>
+  </p:extLst>
 </p:presentation>
 </file>
 
@@ -6300,7 +6305,7 @@
           <a:p>
             <a:r>
               <a:rPr lang="en-AU" dirty="0"/>
-              <a:t>Machine learning: Neural Network</a:t>
+              <a:t>Machine learning: Supervised Learning</a:t>
             </a:r>
           </a:p>
         </p:txBody>

--- a/Stock Price Predictions & Analysis.pptx
+++ b/Stock Price Predictions & Analysis.pptx
@@ -13,7 +13,6 @@
     <p:sldId id="261" r:id="rId7"/>
     <p:sldId id="262" r:id="rId8"/>
     <p:sldId id="263" r:id="rId9"/>
-    <p:sldId id="264" r:id="rId10"/>
   </p:sldIdLst>
   <p:sldSz cx="12192000" cy="6858000"/>
   <p:notesSz cx="6858000" cy="9144000"/>
@@ -6427,7 +6426,23 @@
           <a:bodyPr/>
           <a:lstStyle/>
           <a:p>
-            <a:endParaRPr lang="en-AU" dirty="0"/>
+            <a:r>
+              <a:rPr lang="en-AU" b="1" dirty="0"/>
+              <a:t>Where did we get the data?: </a:t>
+            </a:r>
+            <a:r>
+              <a:rPr lang="en-AU" dirty="0"/>
+              <a:t>By using the alpaca API we managed to obtain live data and historical data on the markets we were researching</a:t>
+            </a:r>
+          </a:p>
+          <a:p>
+            <a:r>
+              <a:rPr lang="en-AU" b="1" dirty="0"/>
+              <a:t>What did we do with the data?: </a:t>
+            </a:r>
+          </a:p>
+          <a:p>
+            <a:endParaRPr lang="en-AU" b="1" dirty="0"/>
           </a:p>
         </p:txBody>
       </p:sp>
@@ -6482,7 +6497,10 @@
           <a:bodyPr/>
           <a:lstStyle/>
           <a:p>
-            <a:endParaRPr lang="en-AU"/>
+            <a:r>
+              <a:rPr lang="en-AU" dirty="0"/>
+              <a:t>Deep Learning Techniques Utilised</a:t>
+            </a:r>
           </a:p>
         </p:txBody>
       </p:sp>
@@ -6507,7 +6525,7 @@
           <a:bodyPr/>
           <a:lstStyle/>
           <a:p>
-            <a:endParaRPr lang="en-AU"/>
+            <a:endParaRPr lang="en-AU" dirty="0"/>
           </a:p>
         </p:txBody>
       </p:sp>
@@ -6562,7 +6580,10 @@
           <a:bodyPr/>
           <a:lstStyle/>
           <a:p>
-            <a:endParaRPr lang="en-AU"/>
+            <a:r>
+              <a:rPr lang="en-AU" dirty="0"/>
+              <a:t>Discovery &amp; Results</a:t>
+            </a:r>
           </a:p>
         </p:txBody>
       </p:sp>
@@ -6587,7 +6608,7 @@
           <a:bodyPr/>
           <a:lstStyle/>
           <a:p>
-            <a:endParaRPr lang="en-AU"/>
+            <a:endParaRPr lang="en-AU" dirty="0"/>
           </a:p>
         </p:txBody>
       </p:sp>
@@ -6642,7 +6663,10 @@
           <a:bodyPr/>
           <a:lstStyle/>
           <a:p>
-            <a:endParaRPr lang="en-AU"/>
+            <a:r>
+              <a:rPr lang="en-AU" dirty="0"/>
+              <a:t>Adversities and Trials </a:t>
+            </a:r>
           </a:p>
         </p:txBody>
       </p:sp>
@@ -6722,7 +6746,10 @@
           <a:bodyPr/>
           <a:lstStyle/>
           <a:p>
-            <a:endParaRPr lang="en-AU"/>
+            <a:r>
+              <a:rPr lang="en-AU" dirty="0"/>
+              <a:t>Q&amp;A</a:t>
+            </a:r>
           </a:p>
         </p:txBody>
       </p:sp>
@@ -6742,12 +6769,22 @@
             <p:ph idx="1"/>
           </p:nvPr>
         </p:nvSpPr>
-        <p:spPr/>
-        <p:txBody>
-          <a:bodyPr/>
-          <a:lstStyle/>
-          <a:p>
-            <a:endParaRPr lang="en-AU"/>
+        <p:spPr>
+          <a:xfrm>
+            <a:off x="1732704" y="2529444"/>
+            <a:ext cx="8946541" cy="2103911"/>
+          </a:xfrm>
+        </p:spPr>
+        <p:txBody>
+          <a:bodyPr>
+            <a:normAutofit/>
+          </a:bodyPr>
+          <a:lstStyle/>
+          <a:p>
+            <a:r>
+              <a:rPr lang="en-AU" sz="7200" dirty="0"/>
+              <a:t>ANY QUESTIONS?</a:t>
+            </a:r>
           </a:p>
         </p:txBody>
       </p:sp>
@@ -6755,86 +6792,6 @@
     <p:extLst>
       <p:ext uri="{BB962C8B-B14F-4D97-AF65-F5344CB8AC3E}">
         <p14:creationId xmlns:p14="http://schemas.microsoft.com/office/powerpoint/2010/main" val="148150724"/>
-      </p:ext>
-    </p:extLst>
-  </p:cSld>
-  <p:clrMapOvr>
-    <a:masterClrMapping/>
-  </p:clrMapOvr>
-</p:sld>
-</file>
-
-<file path=ppt/slides/slide9.xml><?xml version="1.0" encoding="utf-8"?>
-<p:sld xmlns:a="http://schemas.openxmlformats.org/drawingml/2006/main" xmlns:r="http://schemas.openxmlformats.org/officeDocument/2006/relationships" xmlns:p="http://schemas.openxmlformats.org/presentationml/2006/main">
-  <p:cSld>
-    <p:spTree>
-      <p:nvGrpSpPr>
-        <p:cNvPr id="1" name=""/>
-        <p:cNvGrpSpPr/>
-        <p:nvPr/>
-      </p:nvGrpSpPr>
-      <p:grpSpPr>
-        <a:xfrm>
-          <a:off x="0" y="0"/>
-          <a:ext cx="0" cy="0"/>
-          <a:chOff x="0" y="0"/>
-          <a:chExt cx="0" cy="0"/>
-        </a:xfrm>
-      </p:grpSpPr>
-      <p:sp>
-        <p:nvSpPr>
-          <p:cNvPr id="2" name="Title 1">
-            <a:extLst>
-              <a:ext uri="{FF2B5EF4-FFF2-40B4-BE49-F238E27FC236}">
-                <a16:creationId xmlns:a16="http://schemas.microsoft.com/office/drawing/2014/main" id="{05F863BD-B9BB-86B7-28CA-916DC8F284ED}"/>
-              </a:ext>
-            </a:extLst>
-          </p:cNvPr>
-          <p:cNvSpPr>
-            <a:spLocks noGrp="1"/>
-          </p:cNvSpPr>
-          <p:nvPr>
-            <p:ph type="title"/>
-          </p:nvPr>
-        </p:nvSpPr>
-        <p:spPr/>
-        <p:txBody>
-          <a:bodyPr/>
-          <a:lstStyle/>
-          <a:p>
-            <a:endParaRPr lang="en-AU"/>
-          </a:p>
-        </p:txBody>
-      </p:sp>
-      <p:sp>
-        <p:nvSpPr>
-          <p:cNvPr id="3" name="Content Placeholder 2">
-            <a:extLst>
-              <a:ext uri="{FF2B5EF4-FFF2-40B4-BE49-F238E27FC236}">
-                <a16:creationId xmlns:a16="http://schemas.microsoft.com/office/drawing/2014/main" id="{66B70BBA-72B4-5B66-F7B8-68D41FFD30BB}"/>
-              </a:ext>
-            </a:extLst>
-          </p:cNvPr>
-          <p:cNvSpPr>
-            <a:spLocks noGrp="1"/>
-          </p:cNvSpPr>
-          <p:nvPr>
-            <p:ph idx="1"/>
-          </p:nvPr>
-        </p:nvSpPr>
-        <p:spPr/>
-        <p:txBody>
-          <a:bodyPr/>
-          <a:lstStyle/>
-          <a:p>
-            <a:endParaRPr lang="en-AU"/>
-          </a:p>
-        </p:txBody>
-      </p:sp>
-    </p:spTree>
-    <p:extLst>
-      <p:ext uri="{BB962C8B-B14F-4D97-AF65-F5344CB8AC3E}">
-        <p14:creationId xmlns:p14="http://schemas.microsoft.com/office/powerpoint/2010/main" val="2359376141"/>
       </p:ext>
     </p:extLst>
   </p:cSld>

--- a/Stock Price Predictions & Analysis.pptx
+++ b/Stock Price Predictions & Analysis.pptx
@@ -305,7 +305,7 @@
           <a:p>
             <a:fld id="{64709B2F-D147-461C-9832-F2CEF1DC6F5E}" type="datetimeFigureOut">
               <a:rPr lang="en-AU" smtClean="0"/>
-              <a:t>11/04/2023</a:t>
+              <a:t>13/04/2023</a:t>
             </a:fld>
             <a:endParaRPr lang="en-AU"/>
           </a:p>
@@ -580,7 +580,7 @@
           <a:p>
             <a:fld id="{64709B2F-D147-461C-9832-F2CEF1DC6F5E}" type="datetimeFigureOut">
               <a:rPr lang="en-AU" smtClean="0"/>
-              <a:t>11/04/2023</a:t>
+              <a:t>13/04/2023</a:t>
             </a:fld>
             <a:endParaRPr lang="en-AU"/>
           </a:p>
@@ -774,7 +774,7 @@
           <a:p>
             <a:fld id="{64709B2F-D147-461C-9832-F2CEF1DC6F5E}" type="datetimeFigureOut">
               <a:rPr lang="en-AU" smtClean="0"/>
-              <a:t>11/04/2023</a:t>
+              <a:t>13/04/2023</a:t>
             </a:fld>
             <a:endParaRPr lang="en-AU"/>
           </a:p>
@@ -1047,7 +1047,7 @@
           <a:p>
             <a:fld id="{64709B2F-D147-461C-9832-F2CEF1DC6F5E}" type="datetimeFigureOut">
               <a:rPr lang="en-AU" smtClean="0"/>
-              <a:t>11/04/2023</a:t>
+              <a:t>13/04/2023</a:t>
             </a:fld>
             <a:endParaRPr lang="en-AU"/>
           </a:p>
@@ -1388,7 +1388,7 @@
           <a:p>
             <a:fld id="{64709B2F-D147-461C-9832-F2CEF1DC6F5E}" type="datetimeFigureOut">
               <a:rPr lang="en-AU" smtClean="0"/>
-              <a:t>11/04/2023</a:t>
+              <a:t>13/04/2023</a:t>
             </a:fld>
             <a:endParaRPr lang="en-AU"/>
           </a:p>
@@ -2011,7 +2011,7 @@
           <a:p>
             <a:fld id="{64709B2F-D147-461C-9832-F2CEF1DC6F5E}" type="datetimeFigureOut">
               <a:rPr lang="en-AU" smtClean="0"/>
-              <a:t>11/04/2023</a:t>
+              <a:t>13/04/2023</a:t>
             </a:fld>
             <a:endParaRPr lang="en-AU"/>
           </a:p>
@@ -2871,7 +2871,7 @@
           <a:p>
             <a:fld id="{64709B2F-D147-461C-9832-F2CEF1DC6F5E}" type="datetimeFigureOut">
               <a:rPr lang="en-AU" smtClean="0"/>
-              <a:t>11/04/2023</a:t>
+              <a:t>13/04/2023</a:t>
             </a:fld>
             <a:endParaRPr lang="en-AU"/>
           </a:p>
@@ -3041,7 +3041,7 @@
           <a:p>
             <a:fld id="{64709B2F-D147-461C-9832-F2CEF1DC6F5E}" type="datetimeFigureOut">
               <a:rPr lang="en-AU" smtClean="0"/>
-              <a:t>11/04/2023</a:t>
+              <a:t>13/04/2023</a:t>
             </a:fld>
             <a:endParaRPr lang="en-AU"/>
           </a:p>
@@ -3221,7 +3221,7 @@
           <a:p>
             <a:fld id="{64709B2F-D147-461C-9832-F2CEF1DC6F5E}" type="datetimeFigureOut">
               <a:rPr lang="en-AU" smtClean="0"/>
-              <a:t>11/04/2023</a:t>
+              <a:t>13/04/2023</a:t>
             </a:fld>
             <a:endParaRPr lang="en-AU"/>
           </a:p>
@@ -3391,7 +3391,7 @@
           <a:p>
             <a:fld id="{64709B2F-D147-461C-9832-F2CEF1DC6F5E}" type="datetimeFigureOut">
               <a:rPr lang="en-AU" smtClean="0"/>
-              <a:t>11/04/2023</a:t>
+              <a:t>13/04/2023</a:t>
             </a:fld>
             <a:endParaRPr lang="en-AU"/>
           </a:p>
@@ -3638,7 +3638,7 @@
           <a:p>
             <a:fld id="{64709B2F-D147-461C-9832-F2CEF1DC6F5E}" type="datetimeFigureOut">
               <a:rPr lang="en-AU" smtClean="0"/>
-              <a:t>11/04/2023</a:t>
+              <a:t>13/04/2023</a:t>
             </a:fld>
             <a:endParaRPr lang="en-AU"/>
           </a:p>
@@ -3930,7 +3930,7 @@
           <a:p>
             <a:fld id="{64709B2F-D147-461C-9832-F2CEF1DC6F5E}" type="datetimeFigureOut">
               <a:rPr lang="en-AU" smtClean="0"/>
-              <a:t>11/04/2023</a:t>
+              <a:t>13/04/2023</a:t>
             </a:fld>
             <a:endParaRPr lang="en-AU"/>
           </a:p>
@@ -4374,7 +4374,7 @@
           <a:p>
             <a:fld id="{64709B2F-D147-461C-9832-F2CEF1DC6F5E}" type="datetimeFigureOut">
               <a:rPr lang="en-AU" smtClean="0"/>
-              <a:t>11/04/2023</a:t>
+              <a:t>13/04/2023</a:t>
             </a:fld>
             <a:endParaRPr lang="en-AU"/>
           </a:p>
@@ -4492,7 +4492,7 @@
           <a:p>
             <a:fld id="{64709B2F-D147-461C-9832-F2CEF1DC6F5E}" type="datetimeFigureOut">
               <a:rPr lang="en-AU" smtClean="0"/>
-              <a:t>11/04/2023</a:t>
+              <a:t>13/04/2023</a:t>
             </a:fld>
             <a:endParaRPr lang="en-AU"/>
           </a:p>
@@ -4587,7 +4587,7 @@
           <a:p>
             <a:fld id="{64709B2F-D147-461C-9832-F2CEF1DC6F5E}" type="datetimeFigureOut">
               <a:rPr lang="en-AU" smtClean="0"/>
-              <a:t>11/04/2023</a:t>
+              <a:t>13/04/2023</a:t>
             </a:fld>
             <a:endParaRPr lang="en-AU"/>
           </a:p>
@@ -4866,7 +4866,7 @@
           <a:p>
             <a:fld id="{64709B2F-D147-461C-9832-F2CEF1DC6F5E}" type="datetimeFigureOut">
               <a:rPr lang="en-AU" smtClean="0"/>
-              <a:t>11/04/2023</a:t>
+              <a:t>13/04/2023</a:t>
             </a:fld>
             <a:endParaRPr lang="en-AU"/>
           </a:p>
@@ -5141,7 +5141,7 @@
           <a:p>
             <a:fld id="{64709B2F-D147-461C-9832-F2CEF1DC6F5E}" type="datetimeFigureOut">
               <a:rPr lang="en-AU" smtClean="0"/>
-              <a:t>11/04/2023</a:t>
+              <a:t>13/04/2023</a:t>
             </a:fld>
             <a:endParaRPr lang="en-AU"/>
           </a:p>
@@ -5570,7 +5570,7 @@
           <a:p>
             <a:fld id="{64709B2F-D147-461C-9832-F2CEF1DC6F5E}" type="datetimeFigureOut">
               <a:rPr lang="en-AU" smtClean="0"/>
-              <a:t>11/04/2023</a:t>
+              <a:t>13/04/2023</a:t>
             </a:fld>
             <a:endParaRPr lang="en-AU"/>
           </a:p>
@@ -6423,7 +6423,9 @@
         </p:nvSpPr>
         <p:spPr/>
         <p:txBody>
-          <a:bodyPr/>
+          <a:bodyPr>
+            <a:normAutofit lnSpcReduction="10000"/>
+          </a:bodyPr>
           <a:lstStyle/>
           <a:p>
             <a:r>
@@ -6440,6 +6442,21 @@
               <a:rPr lang="en-AU" b="1" dirty="0"/>
               <a:t>What did we do with the data?: </a:t>
             </a:r>
+            <a:r>
+              <a:rPr lang="en-AU" dirty="0"/>
+              <a:t>In order for our program to work we separated each stock and assigned them into data frames. We then cleaned up the data, then combined each stock dataset into one bucket. By using a SVM model we trained and tested the combined data to observe our findings with the portfolios’ return</a:t>
+            </a:r>
+          </a:p>
+          <a:p>
+            <a:r>
+              <a:rPr lang="en-AU" b="1" dirty="0"/>
+              <a:t>Obstacles that were faced? </a:t>
+            </a:r>
+            <a:r>
+              <a:rPr lang="en-AU" dirty="0"/>
+              <a:t>When it came to combining the dataset into one portfolio there was difficulty with writing up the code as the datasets wouldn’t combine due to specific/extra steps that had to be taken. Following this there was issues into formulating the prediction codes but easy to get through.</a:t>
+            </a:r>
+            <a:endParaRPr lang="en-AU" b="1" dirty="0"/>
           </a:p>
           <a:p>
             <a:endParaRPr lang="en-AU" b="1" dirty="0"/>
@@ -6691,7 +6708,25 @@
           <a:bodyPr/>
           <a:lstStyle/>
           <a:p>
-            <a:endParaRPr lang="en-AU"/>
+            <a:r>
+              <a:rPr lang="en-AU" sz="1600" b="1" dirty="0"/>
+              <a:t>Challenges: </a:t>
+            </a:r>
+            <a:r>
+              <a:rPr lang="en-AU" sz="1600" dirty="0"/>
+              <a:t>As mentioned before we had difficulties when it came to combing all the separate datasets together, as well as training and testing model. There were also issues of preparing the data, where we realised that in order to combine our portfolios we needed to have similar structures to one another. This caused us to adjust our code so it would be able to align together With every problem that occurred we would all work together in order to solve the ordeal, with everyone's support we managed to overcome issues quickly via solving and correcting ones work. Overall there wasn’t much difficulty other than that, turn to be more or less time consuming on some parts than others.</a:t>
+            </a:r>
+          </a:p>
+          <a:p>
+            <a:r>
+              <a:rPr lang="en-AU" sz="1600" b="1" dirty="0"/>
+              <a:t>If we had more time?: </a:t>
+            </a:r>
+            <a:r>
+              <a:rPr lang="en-AU" sz="1600" dirty="0"/>
+              <a:t>With the constricted time frame it definitely limited us seeking more in-depth data and having extra time would of helped us gather more market stocks into our combined portfolio to have a wider range of stocks in our bucket to review the accuracy and the potential of our code. Furthermore we would also be use the time to create more variations of our model to back test and research the possibilities with our code.</a:t>
+            </a:r>
+            <a:endParaRPr lang="en-AU" sz="1600" b="1" dirty="0"/>
           </a:p>
         </p:txBody>
       </p:sp>

--- a/Stock Price Predictions & Analysis.pptx
+++ b/Stock Price Predictions & Analysis.pptx
@@ -305,7 +305,7 @@
           <a:p>
             <a:fld id="{64709B2F-D147-461C-9832-F2CEF1DC6F5E}" type="datetimeFigureOut">
               <a:rPr lang="en-AU" smtClean="0"/>
-              <a:t>13/04/2023</a:t>
+              <a:t>15/04/2023</a:t>
             </a:fld>
             <a:endParaRPr lang="en-AU"/>
           </a:p>
@@ -580,7 +580,7 @@
           <a:p>
             <a:fld id="{64709B2F-D147-461C-9832-F2CEF1DC6F5E}" type="datetimeFigureOut">
               <a:rPr lang="en-AU" smtClean="0"/>
-              <a:t>13/04/2023</a:t>
+              <a:t>15/04/2023</a:t>
             </a:fld>
             <a:endParaRPr lang="en-AU"/>
           </a:p>
@@ -774,7 +774,7 @@
           <a:p>
             <a:fld id="{64709B2F-D147-461C-9832-F2CEF1DC6F5E}" type="datetimeFigureOut">
               <a:rPr lang="en-AU" smtClean="0"/>
-              <a:t>13/04/2023</a:t>
+              <a:t>15/04/2023</a:t>
             </a:fld>
             <a:endParaRPr lang="en-AU"/>
           </a:p>
@@ -1047,7 +1047,7 @@
           <a:p>
             <a:fld id="{64709B2F-D147-461C-9832-F2CEF1DC6F5E}" type="datetimeFigureOut">
               <a:rPr lang="en-AU" smtClean="0"/>
-              <a:t>13/04/2023</a:t>
+              <a:t>15/04/2023</a:t>
             </a:fld>
             <a:endParaRPr lang="en-AU"/>
           </a:p>
@@ -1388,7 +1388,7 @@
           <a:p>
             <a:fld id="{64709B2F-D147-461C-9832-F2CEF1DC6F5E}" type="datetimeFigureOut">
               <a:rPr lang="en-AU" smtClean="0"/>
-              <a:t>13/04/2023</a:t>
+              <a:t>15/04/2023</a:t>
             </a:fld>
             <a:endParaRPr lang="en-AU"/>
           </a:p>
@@ -2011,7 +2011,7 @@
           <a:p>
             <a:fld id="{64709B2F-D147-461C-9832-F2CEF1DC6F5E}" type="datetimeFigureOut">
               <a:rPr lang="en-AU" smtClean="0"/>
-              <a:t>13/04/2023</a:t>
+              <a:t>15/04/2023</a:t>
             </a:fld>
             <a:endParaRPr lang="en-AU"/>
           </a:p>
@@ -2871,7 +2871,7 @@
           <a:p>
             <a:fld id="{64709B2F-D147-461C-9832-F2CEF1DC6F5E}" type="datetimeFigureOut">
               <a:rPr lang="en-AU" smtClean="0"/>
-              <a:t>13/04/2023</a:t>
+              <a:t>15/04/2023</a:t>
             </a:fld>
             <a:endParaRPr lang="en-AU"/>
           </a:p>
@@ -3041,7 +3041,7 @@
           <a:p>
             <a:fld id="{64709B2F-D147-461C-9832-F2CEF1DC6F5E}" type="datetimeFigureOut">
               <a:rPr lang="en-AU" smtClean="0"/>
-              <a:t>13/04/2023</a:t>
+              <a:t>15/04/2023</a:t>
             </a:fld>
             <a:endParaRPr lang="en-AU"/>
           </a:p>
@@ -3221,7 +3221,7 @@
           <a:p>
             <a:fld id="{64709B2F-D147-461C-9832-F2CEF1DC6F5E}" type="datetimeFigureOut">
               <a:rPr lang="en-AU" smtClean="0"/>
-              <a:t>13/04/2023</a:t>
+              <a:t>15/04/2023</a:t>
             </a:fld>
             <a:endParaRPr lang="en-AU"/>
           </a:p>
@@ -3391,7 +3391,7 @@
           <a:p>
             <a:fld id="{64709B2F-D147-461C-9832-F2CEF1DC6F5E}" type="datetimeFigureOut">
               <a:rPr lang="en-AU" smtClean="0"/>
-              <a:t>13/04/2023</a:t>
+              <a:t>15/04/2023</a:t>
             </a:fld>
             <a:endParaRPr lang="en-AU"/>
           </a:p>
@@ -3638,7 +3638,7 @@
           <a:p>
             <a:fld id="{64709B2F-D147-461C-9832-F2CEF1DC6F5E}" type="datetimeFigureOut">
               <a:rPr lang="en-AU" smtClean="0"/>
-              <a:t>13/04/2023</a:t>
+              <a:t>15/04/2023</a:t>
             </a:fld>
             <a:endParaRPr lang="en-AU"/>
           </a:p>
@@ -3930,7 +3930,7 @@
           <a:p>
             <a:fld id="{64709B2F-D147-461C-9832-F2CEF1DC6F5E}" type="datetimeFigureOut">
               <a:rPr lang="en-AU" smtClean="0"/>
-              <a:t>13/04/2023</a:t>
+              <a:t>15/04/2023</a:t>
             </a:fld>
             <a:endParaRPr lang="en-AU"/>
           </a:p>
@@ -4374,7 +4374,7 @@
           <a:p>
             <a:fld id="{64709B2F-D147-461C-9832-F2CEF1DC6F5E}" type="datetimeFigureOut">
               <a:rPr lang="en-AU" smtClean="0"/>
-              <a:t>13/04/2023</a:t>
+              <a:t>15/04/2023</a:t>
             </a:fld>
             <a:endParaRPr lang="en-AU"/>
           </a:p>
@@ -4492,7 +4492,7 @@
           <a:p>
             <a:fld id="{64709B2F-D147-461C-9832-F2CEF1DC6F5E}" type="datetimeFigureOut">
               <a:rPr lang="en-AU" smtClean="0"/>
-              <a:t>13/04/2023</a:t>
+              <a:t>15/04/2023</a:t>
             </a:fld>
             <a:endParaRPr lang="en-AU"/>
           </a:p>
@@ -4587,7 +4587,7 @@
           <a:p>
             <a:fld id="{64709B2F-D147-461C-9832-F2CEF1DC6F5E}" type="datetimeFigureOut">
               <a:rPr lang="en-AU" smtClean="0"/>
-              <a:t>13/04/2023</a:t>
+              <a:t>15/04/2023</a:t>
             </a:fld>
             <a:endParaRPr lang="en-AU"/>
           </a:p>
@@ -4866,7 +4866,7 @@
           <a:p>
             <a:fld id="{64709B2F-D147-461C-9832-F2CEF1DC6F5E}" type="datetimeFigureOut">
               <a:rPr lang="en-AU" smtClean="0"/>
-              <a:t>13/04/2023</a:t>
+              <a:t>15/04/2023</a:t>
             </a:fld>
             <a:endParaRPr lang="en-AU"/>
           </a:p>
@@ -5141,7 +5141,7 @@
           <a:p>
             <a:fld id="{64709B2F-D147-461C-9832-F2CEF1DC6F5E}" type="datetimeFigureOut">
               <a:rPr lang="en-AU" smtClean="0"/>
-              <a:t>13/04/2023</a:t>
+              <a:t>15/04/2023</a:t>
             </a:fld>
             <a:endParaRPr lang="en-AU"/>
           </a:p>
@@ -5570,7 +5570,7 @@
           <a:p>
             <a:fld id="{64709B2F-D147-461C-9832-F2CEF1DC6F5E}" type="datetimeFigureOut">
               <a:rPr lang="en-AU" smtClean="0"/>
-              <a:t>13/04/2023</a:t>
+              <a:t>15/04/2023</a:t>
             </a:fld>
             <a:endParaRPr lang="en-AU"/>
           </a:p>
@@ -6121,7 +6121,7 @@
           <a:p>
             <a:r>
               <a:rPr lang="en-AU" dirty="0"/>
-              <a:t>Stock Price Predictions &amp; Analysis</a:t>
+              <a:t>Predicting ‘Investment’ Portfolio Returns</a:t>
             </a:r>
           </a:p>
         </p:txBody>
@@ -6332,7 +6332,7 @@
           <a:p>
             <a:r>
               <a:rPr lang="en-AU" dirty="0"/>
-              <a:t>We decided on the use of Neural Network learning in order to train our AI.</a:t>
+              <a:t>We decided on the use of Supervised learning in order to train our AI.</a:t>
             </a:r>
           </a:p>
           <a:p>
@@ -6342,7 +6342,7 @@
             </a:r>
             <a:r>
               <a:rPr lang="en-AU" dirty="0"/>
-              <a:t>When it comes to predicting stocks machine learning relevance is vital. Machine learning has proven itself to be essential in the world of trading. This is due to machine learnings’ many algorithms and deep learning techniques that make this a viable option.  The model assigns variables to each stock which is determined by access to the stocks historical data in order to be able to predict future stocks. </a:t>
+              <a:t>When it comes to predicting portfolio returns machine learning relevance is vital. Machine learning has proven itself to be essential in the world of trading. This is due to machine learnings’ many algorithms and deep learning techniques that make this a viable option.  The model assigns variables to each stock which is determined by access to the stocks historical data in order to be able to predict future stocks. </a:t>
             </a:r>
           </a:p>
         </p:txBody>
@@ -6444,7 +6444,7 @@
             </a:r>
             <a:r>
               <a:rPr lang="en-AU" dirty="0"/>
-              <a:t>In order for our program to work we separated each stock and assigned them into data frames. We then cleaned up the data, then combined each stock dataset into one bucket. By using a SVM model we trained and tested the combined data to observe our findings with the portfolios’ return</a:t>
+              <a:t>In order for our program to work we separated each stock and assigned them into data frames. We then cleaned up the data, then combined each stock dataset into one bucket. By using a SVR model as our primary and neighbour model being our secondary, we trained and tested the combined data to observe our findings with the portfolios’ return</a:t>
             </a:r>
           </a:p>
           <a:p>
@@ -6516,7 +6516,7 @@
           <a:p>
             <a:r>
               <a:rPr lang="en-AU" dirty="0"/>
-              <a:t>Deep Learning Techniques Utilised</a:t>
+              <a:t>Deep Learning Techniques</a:t>
             </a:r>
           </a:p>
         </p:txBody>
@@ -6542,7 +6542,28 @@
           <a:bodyPr/>
           <a:lstStyle/>
           <a:p>
-            <a:endParaRPr lang="en-AU" dirty="0"/>
+            <a:r>
+              <a:rPr lang="en-AU" b="1" dirty="0"/>
+              <a:t>What techniques were used to observe its performance?</a:t>
+            </a:r>
+          </a:p>
+          <a:p>
+            <a:pPr marL="0" indent="0">
+              <a:buNone/>
+            </a:pPr>
+            <a:r>
+              <a:rPr lang="en-AU" dirty="0"/>
+              <a:t>As mention before, we used two models “Support Vector Regression (SVR)” and “K-nearest neighbours (KNN)” with SVR being our primary and the latter being our back test model. SVR is a regression model the will help fit the best line within a threshold of values. It is also regarded as reliable and is a popular technique model to use as it can used for classification problems and assigning classes of data points. </a:t>
+            </a:r>
+          </a:p>
+          <a:p>
+            <a:pPr marL="0" indent="0">
+              <a:buNone/>
+            </a:pPr>
+            <a:r>
+              <a:rPr lang="en-AU" dirty="0"/>
+              <a:t>Similar to SVR, KNN is also a supervised classifier, its algorithm assists us in making predictions for our combined portfolio. We use a large amount of training data, where the data points is characterised.</a:t>
+            </a:r>
           </a:p>
         </p:txBody>
       </p:sp>
@@ -6625,7 +6646,27 @@
           <a:bodyPr/>
           <a:lstStyle/>
           <a:p>
-            <a:endParaRPr lang="en-AU" dirty="0"/>
+            <a:r>
+              <a:rPr lang="en-AU" b="1" dirty="0"/>
+              <a:t>Did it work? </a:t>
+            </a:r>
+            <a:r>
+              <a:rPr lang="en-AU" dirty="0"/>
+              <a:t>We finally finished the model and ensure that it works with its prediction being close estimates to the actual values of the portfolio returns. However to validate the validity of our code we must make sure the model is valid by back testing the KNN model to compare the two data. Fortunately for us the KNN model also shows similar results. We discovered that the KNN models prediction lies slightly higher than the SVR. Overall however with the two models values residing closely to on another we are confident with the support of the graph plots and </a:t>
+            </a:r>
+            <a:r>
+              <a:rPr lang="en-AU" dirty="0" err="1"/>
+              <a:t>backtesting</a:t>
+            </a:r>
+            <a:r>
+              <a:rPr lang="en-AU" dirty="0"/>
+              <a:t> data. Our findings show that the model is suitable and works for predicting </a:t>
+            </a:r>
+            <a:r>
+              <a:rPr lang="en-AU"/>
+              <a:t>portfolio returns.</a:t>
+            </a:r>
+            <a:endParaRPr lang="en-AU" b="1" dirty="0"/>
           </a:p>
         </p:txBody>
       </p:sp>

--- a/Stock Price Predictions & Analysis.pptx
+++ b/Stock Price Predictions & Analysis.pptx
@@ -6421,10 +6421,15 @@
             <p:ph idx="1"/>
           </p:nvPr>
         </p:nvSpPr>
-        <p:spPr/>
+        <p:spPr>
+          <a:xfrm>
+            <a:off x="466182" y="1362694"/>
+            <a:ext cx="7710324" cy="4247592"/>
+          </a:xfrm>
+        </p:spPr>
         <p:txBody>
           <a:bodyPr>
-            <a:normAutofit lnSpcReduction="10000"/>
+            <a:normAutofit fontScale="92500" lnSpcReduction="20000"/>
           </a:bodyPr>
           <a:lstStyle/>
           <a:p>
@@ -6463,6 +6468,114 @@
           </a:p>
         </p:txBody>
       </p:sp>
+      <p:pic>
+        <p:nvPicPr>
+          <p:cNvPr id="5" name="Picture 4">
+            <a:extLst>
+              <a:ext uri="{FF2B5EF4-FFF2-40B4-BE49-F238E27FC236}">
+                <a16:creationId xmlns:a16="http://schemas.microsoft.com/office/drawing/2014/main" id="{FEEA4134-A311-DA56-0EF1-C47EDEF31D03}"/>
+              </a:ext>
+            </a:extLst>
+          </p:cNvPr>
+          <p:cNvPicPr>
+            <a:picLocks noChangeAspect="1"/>
+          </p:cNvPicPr>
+          <p:nvPr/>
+        </p:nvPicPr>
+        <p:blipFill>
+          <a:blip r:embed="rId2">
+            <a:extLst>
+              <a:ext uri="{28A0092B-C50C-407E-A947-70E740481C1C}">
+                <a14:useLocalDpi xmlns:a14="http://schemas.microsoft.com/office/drawing/2010/main" val="0"/>
+              </a:ext>
+            </a:extLst>
+          </a:blip>
+          <a:stretch>
+            <a:fillRect/>
+          </a:stretch>
+        </p:blipFill>
+        <p:spPr>
+          <a:xfrm>
+            <a:off x="8767723" y="825910"/>
+            <a:ext cx="2566219" cy="1868415"/>
+          </a:xfrm>
+          <a:prstGeom prst="rect">
+            <a:avLst/>
+          </a:prstGeom>
+        </p:spPr>
+      </p:pic>
+      <p:pic>
+        <p:nvPicPr>
+          <p:cNvPr id="7" name="Picture 6">
+            <a:extLst>
+              <a:ext uri="{FF2B5EF4-FFF2-40B4-BE49-F238E27FC236}">
+                <a16:creationId xmlns:a16="http://schemas.microsoft.com/office/drawing/2014/main" id="{FFEBAEB5-3E1D-4F9B-0EB5-A6D06DFD729C}"/>
+              </a:ext>
+            </a:extLst>
+          </p:cNvPr>
+          <p:cNvPicPr>
+            <a:picLocks noChangeAspect="1"/>
+          </p:cNvPicPr>
+          <p:nvPr/>
+        </p:nvPicPr>
+        <p:blipFill>
+          <a:blip r:embed="rId3">
+            <a:extLst>
+              <a:ext uri="{28A0092B-C50C-407E-A947-70E740481C1C}">
+                <a14:useLocalDpi xmlns:a14="http://schemas.microsoft.com/office/drawing/2010/main" val="0"/>
+              </a:ext>
+            </a:extLst>
+          </a:blip>
+          <a:stretch>
+            <a:fillRect/>
+          </a:stretch>
+        </p:blipFill>
+        <p:spPr>
+          <a:xfrm>
+            <a:off x="8767723" y="2769742"/>
+            <a:ext cx="2566219" cy="1868415"/>
+          </a:xfrm>
+          <a:prstGeom prst="rect">
+            <a:avLst/>
+          </a:prstGeom>
+        </p:spPr>
+      </p:pic>
+      <p:pic>
+        <p:nvPicPr>
+          <p:cNvPr id="9" name="Picture 8">
+            <a:extLst>
+              <a:ext uri="{FF2B5EF4-FFF2-40B4-BE49-F238E27FC236}">
+                <a16:creationId xmlns:a16="http://schemas.microsoft.com/office/drawing/2014/main" id="{1AFE4D41-2FA5-710C-D352-83FD6B0594CF}"/>
+              </a:ext>
+            </a:extLst>
+          </p:cNvPr>
+          <p:cNvPicPr>
+            <a:picLocks noChangeAspect="1"/>
+          </p:cNvPicPr>
+          <p:nvPr/>
+        </p:nvPicPr>
+        <p:blipFill>
+          <a:blip r:embed="rId4">
+            <a:extLst>
+              <a:ext uri="{28A0092B-C50C-407E-A947-70E740481C1C}">
+                <a14:useLocalDpi xmlns:a14="http://schemas.microsoft.com/office/drawing/2010/main" val="0"/>
+              </a:ext>
+            </a:extLst>
+          </a:blip>
+          <a:stretch>
+            <a:fillRect/>
+          </a:stretch>
+        </p:blipFill>
+        <p:spPr>
+          <a:xfrm>
+            <a:off x="8767723" y="4830032"/>
+            <a:ext cx="2566219" cy="1741850"/>
+          </a:xfrm>
+          <a:prstGeom prst="rect">
+            <a:avLst/>
+          </a:prstGeom>
+        </p:spPr>
+      </p:pic>
     </p:spTree>
     <p:extLst>
       <p:ext uri="{BB962C8B-B14F-4D97-AF65-F5344CB8AC3E}">
@@ -6537,7 +6650,12 @@
             <p:ph idx="1"/>
           </p:nvPr>
         </p:nvSpPr>
-        <p:spPr/>
+        <p:spPr>
+          <a:xfrm>
+            <a:off x="136573" y="1545575"/>
+            <a:ext cx="7998637" cy="4011618"/>
+          </a:xfrm>
+        </p:spPr>
         <p:txBody>
           <a:bodyPr/>
           <a:lstStyle/>
@@ -6567,6 +6685,78 @@
           </a:p>
         </p:txBody>
       </p:sp>
+      <p:pic>
+        <p:nvPicPr>
+          <p:cNvPr id="7" name="Picture 6">
+            <a:extLst>
+              <a:ext uri="{FF2B5EF4-FFF2-40B4-BE49-F238E27FC236}">
+                <a16:creationId xmlns:a16="http://schemas.microsoft.com/office/drawing/2014/main" id="{21F3E5C7-FE37-6B28-3093-C1775F3D6593}"/>
+              </a:ext>
+            </a:extLst>
+          </p:cNvPr>
+          <p:cNvPicPr>
+            <a:picLocks noChangeAspect="1"/>
+          </p:cNvPicPr>
+          <p:nvPr/>
+        </p:nvPicPr>
+        <p:blipFill>
+          <a:blip r:embed="rId2">
+            <a:extLst>
+              <a:ext uri="{28A0092B-C50C-407E-A947-70E740481C1C}">
+                <a14:useLocalDpi xmlns:a14="http://schemas.microsoft.com/office/drawing/2010/main" val="0"/>
+              </a:ext>
+            </a:extLst>
+          </a:blip>
+          <a:stretch>
+            <a:fillRect/>
+          </a:stretch>
+        </p:blipFill>
+        <p:spPr>
+          <a:xfrm>
+            <a:off x="8463616" y="4127496"/>
+            <a:ext cx="3591811" cy="2573651"/>
+          </a:xfrm>
+          <a:prstGeom prst="rect">
+            <a:avLst/>
+          </a:prstGeom>
+        </p:spPr>
+      </p:pic>
+      <p:pic>
+        <p:nvPicPr>
+          <p:cNvPr id="9" name="Picture 8">
+            <a:extLst>
+              <a:ext uri="{FF2B5EF4-FFF2-40B4-BE49-F238E27FC236}">
+                <a16:creationId xmlns:a16="http://schemas.microsoft.com/office/drawing/2014/main" id="{40285398-F7E6-D004-AD8E-341365AC2053}"/>
+              </a:ext>
+            </a:extLst>
+          </p:cNvPr>
+          <p:cNvPicPr>
+            <a:picLocks noChangeAspect="1"/>
+          </p:cNvPicPr>
+          <p:nvPr/>
+        </p:nvPicPr>
+        <p:blipFill>
+          <a:blip r:embed="rId3">
+            <a:extLst>
+              <a:ext uri="{28A0092B-C50C-407E-A947-70E740481C1C}">
+                <a14:useLocalDpi xmlns:a14="http://schemas.microsoft.com/office/drawing/2010/main" val="0"/>
+              </a:ext>
+            </a:extLst>
+          </a:blip>
+          <a:stretch>
+            <a:fillRect/>
+          </a:stretch>
+        </p:blipFill>
+        <p:spPr>
+          <a:xfrm>
+            <a:off x="8463616" y="674841"/>
+            <a:ext cx="3534155" cy="3230532"/>
+          </a:xfrm>
+          <a:prstGeom prst="rect">
+            <a:avLst/>
+          </a:prstGeom>
+        </p:spPr>
+      </p:pic>
     </p:spTree>
     <p:extLst>
       <p:ext uri="{BB962C8B-B14F-4D97-AF65-F5344CB8AC3E}">
@@ -6641,9 +6831,16 @@
             <p:ph idx="1"/>
           </p:nvPr>
         </p:nvSpPr>
-        <p:spPr/>
-        <p:txBody>
-          <a:bodyPr/>
+        <p:spPr>
+          <a:xfrm>
+            <a:off x="317057" y="1721512"/>
+            <a:ext cx="7782168" cy="3687098"/>
+          </a:xfrm>
+        </p:spPr>
+        <p:txBody>
+          <a:bodyPr>
+            <a:noAutofit/>
+          </a:bodyPr>
           <a:lstStyle/>
           <a:p>
             <a:r>
@@ -6660,13 +6857,151 @@
             </a:r>
             <a:r>
               <a:rPr lang="en-AU" dirty="0"/>
-              <a:t> data. Our findings show that the model is suitable and works for predicting </a:t>
-            </a:r>
-            <a:r>
-              <a:rPr lang="en-AU"/>
-              <a:t>portfolio returns.</a:t>
+              <a:t> data. Our findings show that the model is suitable and works for predicting portfolio returns.</a:t>
             </a:r>
             <a:endParaRPr lang="en-AU" b="1" dirty="0"/>
+          </a:p>
+        </p:txBody>
+      </p:sp>
+      <p:pic>
+        <p:nvPicPr>
+          <p:cNvPr id="5" name="Picture 4">
+            <a:extLst>
+              <a:ext uri="{FF2B5EF4-FFF2-40B4-BE49-F238E27FC236}">
+                <a16:creationId xmlns:a16="http://schemas.microsoft.com/office/drawing/2014/main" id="{2B373274-3BA3-AFF4-7689-27BEDC3829CC}"/>
+              </a:ext>
+            </a:extLst>
+          </p:cNvPr>
+          <p:cNvPicPr>
+            <a:picLocks noChangeAspect="1"/>
+          </p:cNvPicPr>
+          <p:nvPr/>
+        </p:nvPicPr>
+        <p:blipFill>
+          <a:blip r:embed="rId2">
+            <a:extLst>
+              <a:ext uri="{28A0092B-C50C-407E-A947-70E740481C1C}">
+                <a14:useLocalDpi xmlns:a14="http://schemas.microsoft.com/office/drawing/2010/main" val="0"/>
+              </a:ext>
+            </a:extLst>
+          </a:blip>
+          <a:stretch>
+            <a:fillRect/>
+          </a:stretch>
+        </p:blipFill>
+        <p:spPr>
+          <a:xfrm>
+            <a:off x="8343589" y="702976"/>
+            <a:ext cx="3636822" cy="2726024"/>
+          </a:xfrm>
+          <a:prstGeom prst="rect">
+            <a:avLst/>
+          </a:prstGeom>
+        </p:spPr>
+      </p:pic>
+      <p:pic>
+        <p:nvPicPr>
+          <p:cNvPr id="7" name="Picture 6">
+            <a:extLst>
+              <a:ext uri="{FF2B5EF4-FFF2-40B4-BE49-F238E27FC236}">
+                <a16:creationId xmlns:a16="http://schemas.microsoft.com/office/drawing/2014/main" id="{575295B8-AE31-DF24-9692-88312D9C7A15}"/>
+              </a:ext>
+            </a:extLst>
+          </p:cNvPr>
+          <p:cNvPicPr>
+            <a:picLocks noChangeAspect="1"/>
+          </p:cNvPicPr>
+          <p:nvPr/>
+        </p:nvPicPr>
+        <p:blipFill>
+          <a:blip r:embed="rId3">
+            <a:extLst>
+              <a:ext uri="{28A0092B-C50C-407E-A947-70E740481C1C}">
+                <a14:useLocalDpi xmlns:a14="http://schemas.microsoft.com/office/drawing/2010/main" val="0"/>
+              </a:ext>
+            </a:extLst>
+          </a:blip>
+          <a:stretch>
+            <a:fillRect/>
+          </a:stretch>
+        </p:blipFill>
+        <p:spPr>
+          <a:xfrm>
+            <a:off x="8343589" y="4067265"/>
+            <a:ext cx="3579008" cy="2682690"/>
+          </a:xfrm>
+          <a:prstGeom prst="rect">
+            <a:avLst/>
+          </a:prstGeom>
+        </p:spPr>
+      </p:pic>
+      <p:sp>
+        <p:nvSpPr>
+          <p:cNvPr id="8" name="TextBox 7">
+            <a:extLst>
+              <a:ext uri="{FF2B5EF4-FFF2-40B4-BE49-F238E27FC236}">
+                <a16:creationId xmlns:a16="http://schemas.microsoft.com/office/drawing/2014/main" id="{18F5226E-2016-F98E-DFA0-6410DB07B398}"/>
+              </a:ext>
+            </a:extLst>
+          </p:cNvPr>
+          <p:cNvSpPr txBox="1"/>
+          <p:nvPr/>
+        </p:nvSpPr>
+        <p:spPr>
+          <a:xfrm>
+            <a:off x="8913925" y="3563466"/>
+            <a:ext cx="2111969" cy="369332"/>
+          </a:xfrm>
+          <a:prstGeom prst="rect">
+            <a:avLst/>
+          </a:prstGeom>
+          <a:noFill/>
+        </p:spPr>
+        <p:txBody>
+          <a:bodyPr wrap="square" rtlCol="0">
+            <a:spAutoFit/>
+          </a:bodyPr>
+          <a:lstStyle/>
+          <a:p>
+            <a:r>
+              <a:rPr lang="en-AU" dirty="0"/>
+              <a:t>SVR plot</a:t>
+            </a:r>
+          </a:p>
+        </p:txBody>
+      </p:sp>
+      <p:sp>
+        <p:nvSpPr>
+          <p:cNvPr id="9" name="TextBox 8">
+            <a:extLst>
+              <a:ext uri="{FF2B5EF4-FFF2-40B4-BE49-F238E27FC236}">
+                <a16:creationId xmlns:a16="http://schemas.microsoft.com/office/drawing/2014/main" id="{FD3752E1-5B0E-C8FE-2787-C97149B1039C}"/>
+              </a:ext>
+            </a:extLst>
+          </p:cNvPr>
+          <p:cNvSpPr txBox="1"/>
+          <p:nvPr/>
+        </p:nvSpPr>
+        <p:spPr>
+          <a:xfrm>
+            <a:off x="8819536" y="133585"/>
+            <a:ext cx="1687215" cy="369332"/>
+          </a:xfrm>
+          <a:prstGeom prst="rect">
+            <a:avLst/>
+          </a:prstGeom>
+          <a:noFill/>
+        </p:spPr>
+        <p:txBody>
+          <a:bodyPr wrap="square" rtlCol="0">
+            <a:spAutoFit/>
+          </a:bodyPr>
+          <a:lstStyle/>
+          <a:p>
+            <a:r>
+              <a:rPr lang="en-AU" dirty="0"/>
+              <a:t>KNN plot</a:t>
+            </a:r>
           </a:p>
         </p:txBody>
       </p:sp>

--- a/Stock Price Predictions & Analysis.pptx
+++ b/Stock Price Predictions & Analysis.pptx
@@ -11,8 +11,9 @@
     <p:sldId id="259" r:id="rId5"/>
     <p:sldId id="260" r:id="rId6"/>
     <p:sldId id="261" r:id="rId7"/>
-    <p:sldId id="262" r:id="rId8"/>
-    <p:sldId id="263" r:id="rId9"/>
+    <p:sldId id="264" r:id="rId8"/>
+    <p:sldId id="262" r:id="rId9"/>
+    <p:sldId id="263" r:id="rId10"/>
   </p:sldIdLst>
   <p:sldSz cx="12192000" cy="6858000"/>
   <p:notesSz cx="6858000" cy="9144000"/>
@@ -305,7 +306,7 @@
           <a:p>
             <a:fld id="{64709B2F-D147-461C-9832-F2CEF1DC6F5E}" type="datetimeFigureOut">
               <a:rPr lang="en-AU" smtClean="0"/>
-              <a:t>15/04/2023</a:t>
+              <a:t>17/04/2023</a:t>
             </a:fld>
             <a:endParaRPr lang="en-AU"/>
           </a:p>
@@ -580,7 +581,7 @@
           <a:p>
             <a:fld id="{64709B2F-D147-461C-9832-F2CEF1DC6F5E}" type="datetimeFigureOut">
               <a:rPr lang="en-AU" smtClean="0"/>
-              <a:t>15/04/2023</a:t>
+              <a:t>17/04/2023</a:t>
             </a:fld>
             <a:endParaRPr lang="en-AU"/>
           </a:p>
@@ -774,7 +775,7 @@
           <a:p>
             <a:fld id="{64709B2F-D147-461C-9832-F2CEF1DC6F5E}" type="datetimeFigureOut">
               <a:rPr lang="en-AU" smtClean="0"/>
-              <a:t>15/04/2023</a:t>
+              <a:t>17/04/2023</a:t>
             </a:fld>
             <a:endParaRPr lang="en-AU"/>
           </a:p>
@@ -1047,7 +1048,7 @@
           <a:p>
             <a:fld id="{64709B2F-D147-461C-9832-F2CEF1DC6F5E}" type="datetimeFigureOut">
               <a:rPr lang="en-AU" smtClean="0"/>
-              <a:t>15/04/2023</a:t>
+              <a:t>17/04/2023</a:t>
             </a:fld>
             <a:endParaRPr lang="en-AU"/>
           </a:p>
@@ -1388,7 +1389,7 @@
           <a:p>
             <a:fld id="{64709B2F-D147-461C-9832-F2CEF1DC6F5E}" type="datetimeFigureOut">
               <a:rPr lang="en-AU" smtClean="0"/>
-              <a:t>15/04/2023</a:t>
+              <a:t>17/04/2023</a:t>
             </a:fld>
             <a:endParaRPr lang="en-AU"/>
           </a:p>
@@ -2011,7 +2012,7 @@
           <a:p>
             <a:fld id="{64709B2F-D147-461C-9832-F2CEF1DC6F5E}" type="datetimeFigureOut">
               <a:rPr lang="en-AU" smtClean="0"/>
-              <a:t>15/04/2023</a:t>
+              <a:t>17/04/2023</a:t>
             </a:fld>
             <a:endParaRPr lang="en-AU"/>
           </a:p>
@@ -2871,7 +2872,7 @@
           <a:p>
             <a:fld id="{64709B2F-D147-461C-9832-F2CEF1DC6F5E}" type="datetimeFigureOut">
               <a:rPr lang="en-AU" smtClean="0"/>
-              <a:t>15/04/2023</a:t>
+              <a:t>17/04/2023</a:t>
             </a:fld>
             <a:endParaRPr lang="en-AU"/>
           </a:p>
@@ -3041,7 +3042,7 @@
           <a:p>
             <a:fld id="{64709B2F-D147-461C-9832-F2CEF1DC6F5E}" type="datetimeFigureOut">
               <a:rPr lang="en-AU" smtClean="0"/>
-              <a:t>15/04/2023</a:t>
+              <a:t>17/04/2023</a:t>
             </a:fld>
             <a:endParaRPr lang="en-AU"/>
           </a:p>
@@ -3221,7 +3222,7 @@
           <a:p>
             <a:fld id="{64709B2F-D147-461C-9832-F2CEF1DC6F5E}" type="datetimeFigureOut">
               <a:rPr lang="en-AU" smtClean="0"/>
-              <a:t>15/04/2023</a:t>
+              <a:t>17/04/2023</a:t>
             </a:fld>
             <a:endParaRPr lang="en-AU"/>
           </a:p>
@@ -3391,7 +3392,7 @@
           <a:p>
             <a:fld id="{64709B2F-D147-461C-9832-F2CEF1DC6F5E}" type="datetimeFigureOut">
               <a:rPr lang="en-AU" smtClean="0"/>
-              <a:t>15/04/2023</a:t>
+              <a:t>17/04/2023</a:t>
             </a:fld>
             <a:endParaRPr lang="en-AU"/>
           </a:p>
@@ -3638,7 +3639,7 @@
           <a:p>
             <a:fld id="{64709B2F-D147-461C-9832-F2CEF1DC6F5E}" type="datetimeFigureOut">
               <a:rPr lang="en-AU" smtClean="0"/>
-              <a:t>15/04/2023</a:t>
+              <a:t>17/04/2023</a:t>
             </a:fld>
             <a:endParaRPr lang="en-AU"/>
           </a:p>
@@ -3930,7 +3931,7 @@
           <a:p>
             <a:fld id="{64709B2F-D147-461C-9832-F2CEF1DC6F5E}" type="datetimeFigureOut">
               <a:rPr lang="en-AU" smtClean="0"/>
-              <a:t>15/04/2023</a:t>
+              <a:t>17/04/2023</a:t>
             </a:fld>
             <a:endParaRPr lang="en-AU"/>
           </a:p>
@@ -4374,7 +4375,7 @@
           <a:p>
             <a:fld id="{64709B2F-D147-461C-9832-F2CEF1DC6F5E}" type="datetimeFigureOut">
               <a:rPr lang="en-AU" smtClean="0"/>
-              <a:t>15/04/2023</a:t>
+              <a:t>17/04/2023</a:t>
             </a:fld>
             <a:endParaRPr lang="en-AU"/>
           </a:p>
@@ -4492,7 +4493,7 @@
           <a:p>
             <a:fld id="{64709B2F-D147-461C-9832-F2CEF1DC6F5E}" type="datetimeFigureOut">
               <a:rPr lang="en-AU" smtClean="0"/>
-              <a:t>15/04/2023</a:t>
+              <a:t>17/04/2023</a:t>
             </a:fld>
             <a:endParaRPr lang="en-AU"/>
           </a:p>
@@ -4587,7 +4588,7 @@
           <a:p>
             <a:fld id="{64709B2F-D147-461C-9832-F2CEF1DC6F5E}" type="datetimeFigureOut">
               <a:rPr lang="en-AU" smtClean="0"/>
-              <a:t>15/04/2023</a:t>
+              <a:t>17/04/2023</a:t>
             </a:fld>
             <a:endParaRPr lang="en-AU"/>
           </a:p>
@@ -4866,7 +4867,7 @@
           <a:p>
             <a:fld id="{64709B2F-D147-461C-9832-F2CEF1DC6F5E}" type="datetimeFigureOut">
               <a:rPr lang="en-AU" smtClean="0"/>
-              <a:t>15/04/2023</a:t>
+              <a:t>17/04/2023</a:t>
             </a:fld>
             <a:endParaRPr lang="en-AU"/>
           </a:p>
@@ -5141,7 +5142,7 @@
           <a:p>
             <a:fld id="{64709B2F-D147-461C-9832-F2CEF1DC6F5E}" type="datetimeFigureOut">
               <a:rPr lang="en-AU" smtClean="0"/>
-              <a:t>15/04/2023</a:t>
+              <a:t>17/04/2023</a:t>
             </a:fld>
             <a:endParaRPr lang="en-AU"/>
           </a:p>
@@ -5570,7 +5571,7 @@
           <a:p>
             <a:fld id="{64709B2F-D147-461C-9832-F2CEF1DC6F5E}" type="datetimeFigureOut">
               <a:rPr lang="en-AU" smtClean="0"/>
-              <a:t>15/04/2023</a:t>
+              <a:t>17/04/2023</a:t>
             </a:fld>
             <a:endParaRPr lang="en-AU"/>
           </a:p>
@@ -6622,7 +6623,12 @@
             <p:ph type="title"/>
           </p:nvPr>
         </p:nvSpPr>
-        <p:spPr/>
+        <p:spPr>
+          <a:xfrm>
+            <a:off x="646111" y="452718"/>
+            <a:ext cx="8818523" cy="1400530"/>
+          </a:xfrm>
+        </p:spPr>
         <p:txBody>
           <a:bodyPr/>
           <a:lstStyle/>
@@ -6652,12 +6658,14 @@
         </p:nvSpPr>
         <p:spPr>
           <a:xfrm>
-            <a:off x="136573" y="1545575"/>
-            <a:ext cx="7998637" cy="4011618"/>
+            <a:off x="136574" y="1545575"/>
+            <a:ext cx="7083624" cy="4415838"/>
           </a:xfrm>
         </p:spPr>
         <p:txBody>
-          <a:bodyPr/>
+          <a:bodyPr>
+            <a:normAutofit lnSpcReduction="10000"/>
+          </a:bodyPr>
           <a:lstStyle/>
           <a:p>
             <a:r>
@@ -6671,7 +6679,23 @@
             </a:pPr>
             <a:r>
               <a:rPr lang="en-AU" dirty="0"/>
-              <a:t>As mention before, we used two models “Support Vector Regression (SVR)” and “K-nearest neighbours (KNN)” with SVR being our primary and the latter being our back test model. SVR is a regression model the will help fit the best line within a threshold of values. It is also regarded as reliable and is a popular technique model to use as it can used for classification problems and assigning classes of data points. </a:t>
+              <a:t>As mention before, we used two models </a:t>
+            </a:r>
+            <a:r>
+              <a:rPr lang="en-AU" u="sng" dirty="0"/>
+              <a:t>“Support Vector Regression </a:t>
+            </a:r>
+            <a:r>
+              <a:rPr lang="en-AU" dirty="0"/>
+              <a:t>(SVR)” and </a:t>
+            </a:r>
+            <a:r>
+              <a:rPr lang="en-AU" u="sng" dirty="0"/>
+              <a:t>“K-nearest neighbours </a:t>
+            </a:r>
+            <a:r>
+              <a:rPr lang="en-AU" dirty="0"/>
+              <a:t>(KNN)” with SVR being our primary and the latter being our back test model. SVR is a regression model the will help fit the best line within a threshold of values. It is also regarded as reliable and is a popular technique model to use as it can used for classification problems and assigning classes of data points. </a:t>
             </a:r>
           </a:p>
           <a:p>
@@ -6713,8 +6737,8 @@
         </p:blipFill>
         <p:spPr>
           <a:xfrm>
-            <a:off x="8463616" y="4127496"/>
-            <a:ext cx="3591811" cy="2573651"/>
+            <a:off x="7315199" y="3196150"/>
+            <a:ext cx="4692726" cy="3362493"/>
           </a:xfrm>
           <a:prstGeom prst="rect">
             <a:avLst/>
@@ -6749,8 +6773,8 @@
         </p:blipFill>
         <p:spPr>
           <a:xfrm>
-            <a:off x="8463616" y="674841"/>
-            <a:ext cx="3534155" cy="3230532"/>
+            <a:off x="7839686" y="156853"/>
+            <a:ext cx="4215740" cy="2934253"/>
           </a:xfrm>
           <a:prstGeom prst="rect">
             <a:avLst/>
@@ -6849,15 +6873,7 @@
             </a:r>
             <a:r>
               <a:rPr lang="en-AU" dirty="0"/>
-              <a:t>We finally finished the model and ensure that it works with its prediction being close estimates to the actual values of the portfolio returns. However to validate the validity of our code we must make sure the model is valid by back testing the KNN model to compare the two data. Fortunately for us the KNN model also shows similar results. We discovered that the KNN models prediction lies slightly higher than the SVR. Overall however with the two models values residing closely to on another we are confident with the support of the graph plots and </a:t>
-            </a:r>
-            <a:r>
-              <a:rPr lang="en-AU" dirty="0" err="1"/>
-              <a:t>backtesting</a:t>
-            </a:r>
-            <a:r>
-              <a:rPr lang="en-AU" dirty="0"/>
-              <a:t> data. Our findings show that the model is suitable and works for predicting portfolio returns.</a:t>
+              <a:t>We finally finished the model and ensure that it works with its prediction being close estimates to the actual values of the portfolio returns. However to validate the validity of our code we must make sure the model is valid by back testing the KNN model to compare the two data. Fortunately for us the KNN model also shows similar results. We discovered that the KNN models prediction lies slightly higher than the SVR. Overall however with the two models values residing closely to on another we are confident with the support of the graph plots and back testing data. Our findings show that the model is suitable and works for predicting portfolio returns.</a:t>
             </a:r>
             <a:endParaRPr lang="en-AU" b="1" dirty="0"/>
           </a:p>
@@ -7040,6 +7056,98 @@
           <p:cNvPr id="2" name="Title 1">
             <a:extLst>
               <a:ext uri="{FF2B5EF4-FFF2-40B4-BE49-F238E27FC236}">
+                <a16:creationId xmlns:a16="http://schemas.microsoft.com/office/drawing/2014/main" id="{79A40865-F0DF-1885-27D8-C60B5931B0E6}"/>
+              </a:ext>
+            </a:extLst>
+          </p:cNvPr>
+          <p:cNvSpPr>
+            <a:spLocks noGrp="1"/>
+          </p:cNvSpPr>
+          <p:nvPr>
+            <p:ph type="title"/>
+          </p:nvPr>
+        </p:nvSpPr>
+        <p:spPr/>
+        <p:txBody>
+          <a:bodyPr/>
+          <a:lstStyle/>
+          <a:p>
+            <a:r>
+              <a:rPr lang="en-AU" dirty="0"/>
+              <a:t>Model Tuning	</a:t>
+            </a:r>
+          </a:p>
+        </p:txBody>
+      </p:sp>
+      <p:sp>
+        <p:nvSpPr>
+          <p:cNvPr id="3" name="Content Placeholder 2">
+            <a:extLst>
+              <a:ext uri="{FF2B5EF4-FFF2-40B4-BE49-F238E27FC236}">
+                <a16:creationId xmlns:a16="http://schemas.microsoft.com/office/drawing/2014/main" id="{31DF5307-99F7-8E08-683B-4B08F8F22110}"/>
+              </a:ext>
+            </a:extLst>
+          </p:cNvPr>
+          <p:cNvSpPr>
+            <a:spLocks noGrp="1"/>
+          </p:cNvSpPr>
+          <p:nvPr>
+            <p:ph idx="1"/>
+          </p:nvPr>
+        </p:nvSpPr>
+        <p:spPr/>
+        <p:txBody>
+          <a:bodyPr/>
+          <a:lstStyle/>
+          <a:p>
+            <a:r>
+              <a:rPr lang="en-AU" sz="2800" dirty="0"/>
+              <a:t>We also tuned the models by adjusting the investment portfolio and the following is the predicted result with more shares for heavy stocks we got more accurate predictions. </a:t>
+            </a:r>
+          </a:p>
+          <a:p>
+            <a:r>
+              <a:rPr lang="en-AU" sz="3200" dirty="0"/>
+              <a:t>DEMONSTRATION: </a:t>
+            </a:r>
+          </a:p>
+        </p:txBody>
+      </p:sp>
+    </p:spTree>
+    <p:extLst>
+      <p:ext uri="{BB962C8B-B14F-4D97-AF65-F5344CB8AC3E}">
+        <p14:creationId xmlns:p14="http://schemas.microsoft.com/office/powerpoint/2010/main" val="999111380"/>
+      </p:ext>
+    </p:extLst>
+  </p:cSld>
+  <p:clrMapOvr>
+    <a:masterClrMapping/>
+  </p:clrMapOvr>
+</p:sld>
+</file>
+
+<file path=ppt/slides/slide8.xml><?xml version="1.0" encoding="utf-8"?>
+<p:sld xmlns:a="http://schemas.openxmlformats.org/drawingml/2006/main" xmlns:r="http://schemas.openxmlformats.org/officeDocument/2006/relationships" xmlns:p="http://schemas.openxmlformats.org/presentationml/2006/main">
+  <p:cSld>
+    <p:spTree>
+      <p:nvGrpSpPr>
+        <p:cNvPr id="1" name=""/>
+        <p:cNvGrpSpPr/>
+        <p:nvPr/>
+      </p:nvGrpSpPr>
+      <p:grpSpPr>
+        <a:xfrm>
+          <a:off x="0" y="0"/>
+          <a:ext cx="0" cy="0"/>
+          <a:chOff x="0" y="0"/>
+          <a:chExt cx="0" cy="0"/>
+        </a:xfrm>
+      </p:grpSpPr>
+      <p:sp>
+        <p:nvSpPr>
+          <p:cNvPr id="2" name="Title 1">
+            <a:extLst>
+              <a:ext uri="{FF2B5EF4-FFF2-40B4-BE49-F238E27FC236}">
                 <a16:creationId xmlns:a16="http://schemas.microsoft.com/office/drawing/2014/main" id="{4C2938DF-86CD-6076-35E4-931126A327EB}"/>
               </a:ext>
             </a:extLst>
@@ -7119,7 +7227,7 @@
 </p:sld>
 </file>
 
-<file path=ppt/slides/slide8.xml><?xml version="1.0" encoding="utf-8"?>
+<file path=ppt/slides/slide9.xml><?xml version="1.0" encoding="utf-8"?>
 <p:sld xmlns:a="http://schemas.openxmlformats.org/drawingml/2006/main" xmlns:r="http://schemas.openxmlformats.org/officeDocument/2006/relationships" xmlns:p="http://schemas.openxmlformats.org/presentationml/2006/main">
   <p:cSld>
     <p:spTree>

--- a/Stock Price Predictions & Analysis.pptx
+++ b/Stock Price Predictions & Analysis.pptx
@@ -12,8 +12,13 @@
     <p:sldId id="260" r:id="rId6"/>
     <p:sldId id="261" r:id="rId7"/>
     <p:sldId id="264" r:id="rId8"/>
-    <p:sldId id="262" r:id="rId9"/>
-    <p:sldId id="263" r:id="rId10"/>
+    <p:sldId id="266" r:id="rId9"/>
+    <p:sldId id="267" r:id="rId10"/>
+    <p:sldId id="265" r:id="rId11"/>
+    <p:sldId id="268" r:id="rId12"/>
+    <p:sldId id="269" r:id="rId13"/>
+    <p:sldId id="262" r:id="rId14"/>
+    <p:sldId id="263" r:id="rId15"/>
   </p:sldIdLst>
   <p:sldSz cx="12192000" cy="6858000"/>
   <p:notesSz cx="6858000" cy="9144000"/>
@@ -6176,6 +6181,519 @@
 </p:sld>
 </file>
 
+<file path=ppt/slides/slide10.xml><?xml version="1.0" encoding="utf-8"?>
+<p:sld xmlns:a="http://schemas.openxmlformats.org/drawingml/2006/main" xmlns:r="http://schemas.openxmlformats.org/officeDocument/2006/relationships" xmlns:p="http://schemas.openxmlformats.org/presentationml/2006/main">
+  <p:cSld>
+    <p:spTree>
+      <p:nvGrpSpPr>
+        <p:cNvPr id="1" name=""/>
+        <p:cNvGrpSpPr/>
+        <p:nvPr/>
+      </p:nvGrpSpPr>
+      <p:grpSpPr>
+        <a:xfrm>
+          <a:off x="0" y="0"/>
+          <a:ext cx="0" cy="0"/>
+          <a:chOff x="0" y="0"/>
+          <a:chExt cx="0" cy="0"/>
+        </a:xfrm>
+      </p:grpSpPr>
+      <p:sp>
+        <p:nvSpPr>
+          <p:cNvPr id="2" name="Title 1">
+            <a:extLst>
+              <a:ext uri="{FF2B5EF4-FFF2-40B4-BE49-F238E27FC236}">
+                <a16:creationId xmlns:a16="http://schemas.microsoft.com/office/drawing/2014/main" id="{3F4CAE58-034D-B37C-F5D4-0165CD9CB9B9}"/>
+              </a:ext>
+            </a:extLst>
+          </p:cNvPr>
+          <p:cNvSpPr>
+            <a:spLocks noGrp="1"/>
+          </p:cNvSpPr>
+          <p:nvPr>
+            <p:ph type="title"/>
+          </p:nvPr>
+        </p:nvSpPr>
+        <p:spPr/>
+        <p:txBody>
+          <a:bodyPr/>
+          <a:lstStyle/>
+          <a:p>
+            <a:r>
+              <a:rPr lang="en-AU" dirty="0"/>
+              <a:t>Tunning 2 – Increasing Traditional Stock Shares</a:t>
+            </a:r>
+          </a:p>
+        </p:txBody>
+      </p:sp>
+      <p:sp>
+        <p:nvSpPr>
+          <p:cNvPr id="3" name="Content Placeholder 2">
+            <a:extLst>
+              <a:ext uri="{FF2B5EF4-FFF2-40B4-BE49-F238E27FC236}">
+                <a16:creationId xmlns:a16="http://schemas.microsoft.com/office/drawing/2014/main" id="{7506AFBB-99AD-9B0A-288F-8DB6EC853BBD}"/>
+              </a:ext>
+            </a:extLst>
+          </p:cNvPr>
+          <p:cNvSpPr>
+            <a:spLocks noGrp="1"/>
+          </p:cNvSpPr>
+          <p:nvPr>
+            <p:ph idx="1"/>
+          </p:nvPr>
+        </p:nvSpPr>
+        <p:spPr/>
+        <p:txBody>
+          <a:bodyPr/>
+          <a:lstStyle/>
+          <a:p>
+            <a:r>
+              <a:rPr lang="en-AU" sz="2000" dirty="0"/>
+              <a:t>Adjust 2: increase the traditional stocks (KBR, AEX, RIO and BHP)</a:t>
+            </a:r>
+          </a:p>
+          <a:p>
+            <a:endParaRPr lang="en-AU" dirty="0"/>
+          </a:p>
+        </p:txBody>
+      </p:sp>
+      <p:pic>
+        <p:nvPicPr>
+          <p:cNvPr id="5" name="Picture 4" descr="Text&#10;&#10;Description automatically generated">
+            <a:extLst>
+              <a:ext uri="{FF2B5EF4-FFF2-40B4-BE49-F238E27FC236}">
+                <a16:creationId xmlns:a16="http://schemas.microsoft.com/office/drawing/2014/main" id="{CCB06C35-0F2E-7BC7-773F-DA222AAF2330}"/>
+              </a:ext>
+            </a:extLst>
+          </p:cNvPr>
+          <p:cNvPicPr>
+            <a:picLocks noChangeAspect="1"/>
+          </p:cNvPicPr>
+          <p:nvPr/>
+        </p:nvPicPr>
+        <p:blipFill>
+          <a:blip r:embed="rId2">
+            <a:extLst>
+              <a:ext uri="{28A0092B-C50C-407E-A947-70E740481C1C}">
+                <a14:useLocalDpi xmlns:a14="http://schemas.microsoft.com/office/drawing/2010/main" val="0"/>
+              </a:ext>
+            </a:extLst>
+          </a:blip>
+          <a:stretch>
+            <a:fillRect/>
+          </a:stretch>
+        </p:blipFill>
+        <p:spPr>
+          <a:xfrm>
+            <a:off x="1238250" y="2891743"/>
+            <a:ext cx="8873838" cy="2213657"/>
+          </a:xfrm>
+          <a:prstGeom prst="rect">
+            <a:avLst/>
+          </a:prstGeom>
+        </p:spPr>
+      </p:pic>
+    </p:spTree>
+    <p:extLst>
+      <p:ext uri="{BB962C8B-B14F-4D97-AF65-F5344CB8AC3E}">
+        <p14:creationId xmlns:p14="http://schemas.microsoft.com/office/powerpoint/2010/main" val="3914514"/>
+      </p:ext>
+    </p:extLst>
+  </p:cSld>
+  <p:clrMapOvr>
+    <a:masterClrMapping/>
+  </p:clrMapOvr>
+</p:sld>
+</file>
+
+<file path=ppt/slides/slide11.xml><?xml version="1.0" encoding="utf-8"?>
+<p:sld xmlns:a="http://schemas.openxmlformats.org/drawingml/2006/main" xmlns:r="http://schemas.openxmlformats.org/officeDocument/2006/relationships" xmlns:p="http://schemas.openxmlformats.org/presentationml/2006/main">
+  <p:cSld>
+    <p:spTree>
+      <p:nvGrpSpPr>
+        <p:cNvPr id="1" name=""/>
+        <p:cNvGrpSpPr/>
+        <p:nvPr/>
+      </p:nvGrpSpPr>
+      <p:grpSpPr>
+        <a:xfrm>
+          <a:off x="0" y="0"/>
+          <a:ext cx="0" cy="0"/>
+          <a:chOff x="0" y="0"/>
+          <a:chExt cx="0" cy="0"/>
+        </a:xfrm>
+      </p:grpSpPr>
+      <p:sp>
+        <p:nvSpPr>
+          <p:cNvPr id="2" name="Title 1">
+            <a:extLst>
+              <a:ext uri="{FF2B5EF4-FFF2-40B4-BE49-F238E27FC236}">
+                <a16:creationId xmlns:a16="http://schemas.microsoft.com/office/drawing/2014/main" id="{3ED9061E-D670-3283-87D3-D328E96C9016}"/>
+              </a:ext>
+            </a:extLst>
+          </p:cNvPr>
+          <p:cNvSpPr>
+            <a:spLocks noGrp="1"/>
+          </p:cNvSpPr>
+          <p:nvPr>
+            <p:ph type="title"/>
+          </p:nvPr>
+        </p:nvSpPr>
+        <p:spPr/>
+        <p:txBody>
+          <a:bodyPr/>
+          <a:lstStyle/>
+          <a:p>
+            <a:r>
+              <a:rPr lang="en-AU" dirty="0"/>
+              <a:t>Tunning 2 – SVR Model</a:t>
+            </a:r>
+          </a:p>
+        </p:txBody>
+      </p:sp>
+      <p:pic>
+        <p:nvPicPr>
+          <p:cNvPr id="5" name="Content Placeholder 4" descr="Chart, line chart&#10;&#10;Description automatically generated">
+            <a:extLst>
+              <a:ext uri="{FF2B5EF4-FFF2-40B4-BE49-F238E27FC236}">
+                <a16:creationId xmlns:a16="http://schemas.microsoft.com/office/drawing/2014/main" id="{2B8C7EE2-7C4A-73BE-B898-BF1EFB5E1ABA}"/>
+              </a:ext>
+            </a:extLst>
+          </p:cNvPr>
+          <p:cNvPicPr>
+            <a:picLocks noGrp="1" noChangeAspect="1"/>
+          </p:cNvPicPr>
+          <p:nvPr>
+            <p:ph idx="1"/>
+          </p:nvPr>
+        </p:nvPicPr>
+        <p:blipFill>
+          <a:blip r:embed="rId2">
+            <a:extLst>
+              <a:ext uri="{28A0092B-C50C-407E-A947-70E740481C1C}">
+                <a14:useLocalDpi xmlns:a14="http://schemas.microsoft.com/office/drawing/2010/main" val="0"/>
+              </a:ext>
+            </a:extLst>
+          </a:blip>
+          <a:stretch>
+            <a:fillRect/>
+          </a:stretch>
+        </p:blipFill>
+        <p:spPr>
+          <a:xfrm>
+            <a:off x="955855" y="1728788"/>
+            <a:ext cx="4711520" cy="4778828"/>
+          </a:xfrm>
+        </p:spPr>
+      </p:pic>
+    </p:spTree>
+    <p:extLst>
+      <p:ext uri="{BB962C8B-B14F-4D97-AF65-F5344CB8AC3E}">
+        <p14:creationId xmlns:p14="http://schemas.microsoft.com/office/powerpoint/2010/main" val="318004341"/>
+      </p:ext>
+    </p:extLst>
+  </p:cSld>
+  <p:clrMapOvr>
+    <a:masterClrMapping/>
+  </p:clrMapOvr>
+</p:sld>
+</file>
+
+<file path=ppt/slides/slide12.xml><?xml version="1.0" encoding="utf-8"?>
+<p:sld xmlns:a="http://schemas.openxmlformats.org/drawingml/2006/main" xmlns:r="http://schemas.openxmlformats.org/officeDocument/2006/relationships" xmlns:p="http://schemas.openxmlformats.org/presentationml/2006/main">
+  <p:cSld>
+    <p:spTree>
+      <p:nvGrpSpPr>
+        <p:cNvPr id="1" name=""/>
+        <p:cNvGrpSpPr/>
+        <p:nvPr/>
+      </p:nvGrpSpPr>
+      <p:grpSpPr>
+        <a:xfrm>
+          <a:off x="0" y="0"/>
+          <a:ext cx="0" cy="0"/>
+          <a:chOff x="0" y="0"/>
+          <a:chExt cx="0" cy="0"/>
+        </a:xfrm>
+      </p:grpSpPr>
+      <p:sp>
+        <p:nvSpPr>
+          <p:cNvPr id="2" name="Title 1">
+            <a:extLst>
+              <a:ext uri="{FF2B5EF4-FFF2-40B4-BE49-F238E27FC236}">
+                <a16:creationId xmlns:a16="http://schemas.microsoft.com/office/drawing/2014/main" id="{E118920D-870F-F97C-1E25-5F88D344484B}"/>
+              </a:ext>
+            </a:extLst>
+          </p:cNvPr>
+          <p:cNvSpPr>
+            <a:spLocks noGrp="1"/>
+          </p:cNvSpPr>
+          <p:nvPr>
+            <p:ph type="title"/>
+          </p:nvPr>
+        </p:nvSpPr>
+        <p:spPr/>
+        <p:txBody>
+          <a:bodyPr/>
+          <a:lstStyle/>
+          <a:p>
+            <a:r>
+              <a:rPr lang="en-AU" dirty="0"/>
+              <a:t>Tunning 2 – </a:t>
+            </a:r>
+            <a:r>
+              <a:rPr lang="en-AU" dirty="0" err="1"/>
+              <a:t>Neighbors</a:t>
+            </a:r>
+            <a:r>
+              <a:rPr lang="en-AU" dirty="0"/>
+              <a:t> Model</a:t>
+            </a:r>
+          </a:p>
+        </p:txBody>
+      </p:sp>
+      <p:pic>
+        <p:nvPicPr>
+          <p:cNvPr id="5" name="Content Placeholder 4" descr="Graphical user interface&#10;&#10;Description automatically generated">
+            <a:extLst>
+              <a:ext uri="{FF2B5EF4-FFF2-40B4-BE49-F238E27FC236}">
+                <a16:creationId xmlns:a16="http://schemas.microsoft.com/office/drawing/2014/main" id="{5E0F9512-A267-17BC-5C1A-F9BE361E2B14}"/>
+              </a:ext>
+            </a:extLst>
+          </p:cNvPr>
+          <p:cNvPicPr>
+            <a:picLocks noGrp="1" noChangeAspect="1"/>
+          </p:cNvPicPr>
+          <p:nvPr>
+            <p:ph idx="1"/>
+          </p:nvPr>
+        </p:nvPicPr>
+        <p:blipFill>
+          <a:blip r:embed="rId2">
+            <a:extLst>
+              <a:ext uri="{28A0092B-C50C-407E-A947-70E740481C1C}">
+                <a14:useLocalDpi xmlns:a14="http://schemas.microsoft.com/office/drawing/2010/main" val="0"/>
+              </a:ext>
+            </a:extLst>
+          </a:blip>
+          <a:stretch>
+            <a:fillRect/>
+          </a:stretch>
+        </p:blipFill>
+        <p:spPr>
+          <a:xfrm>
+            <a:off x="940159" y="1853247"/>
+            <a:ext cx="4203341" cy="4310077"/>
+          </a:xfrm>
+        </p:spPr>
+      </p:pic>
+    </p:spTree>
+    <p:extLst>
+      <p:ext uri="{BB962C8B-B14F-4D97-AF65-F5344CB8AC3E}">
+        <p14:creationId xmlns:p14="http://schemas.microsoft.com/office/powerpoint/2010/main" val="1564233613"/>
+      </p:ext>
+    </p:extLst>
+  </p:cSld>
+  <p:clrMapOvr>
+    <a:masterClrMapping/>
+  </p:clrMapOvr>
+</p:sld>
+</file>
+
+<file path=ppt/slides/slide13.xml><?xml version="1.0" encoding="utf-8"?>
+<p:sld xmlns:a="http://schemas.openxmlformats.org/drawingml/2006/main" xmlns:r="http://schemas.openxmlformats.org/officeDocument/2006/relationships" xmlns:p="http://schemas.openxmlformats.org/presentationml/2006/main">
+  <p:cSld>
+    <p:spTree>
+      <p:nvGrpSpPr>
+        <p:cNvPr id="1" name=""/>
+        <p:cNvGrpSpPr/>
+        <p:nvPr/>
+      </p:nvGrpSpPr>
+      <p:grpSpPr>
+        <a:xfrm>
+          <a:off x="0" y="0"/>
+          <a:ext cx="0" cy="0"/>
+          <a:chOff x="0" y="0"/>
+          <a:chExt cx="0" cy="0"/>
+        </a:xfrm>
+      </p:grpSpPr>
+      <p:sp>
+        <p:nvSpPr>
+          <p:cNvPr id="2" name="Title 1">
+            <a:extLst>
+              <a:ext uri="{FF2B5EF4-FFF2-40B4-BE49-F238E27FC236}">
+                <a16:creationId xmlns:a16="http://schemas.microsoft.com/office/drawing/2014/main" id="{4C2938DF-86CD-6076-35E4-931126A327EB}"/>
+              </a:ext>
+            </a:extLst>
+          </p:cNvPr>
+          <p:cNvSpPr>
+            <a:spLocks noGrp="1"/>
+          </p:cNvSpPr>
+          <p:nvPr>
+            <p:ph type="title"/>
+          </p:nvPr>
+        </p:nvSpPr>
+        <p:spPr/>
+        <p:txBody>
+          <a:bodyPr/>
+          <a:lstStyle/>
+          <a:p>
+            <a:r>
+              <a:rPr lang="en-AU" dirty="0"/>
+              <a:t>Adversities and Trials </a:t>
+            </a:r>
+          </a:p>
+        </p:txBody>
+      </p:sp>
+      <p:sp>
+        <p:nvSpPr>
+          <p:cNvPr id="3" name="Content Placeholder 2">
+            <a:extLst>
+              <a:ext uri="{FF2B5EF4-FFF2-40B4-BE49-F238E27FC236}">
+                <a16:creationId xmlns:a16="http://schemas.microsoft.com/office/drawing/2014/main" id="{7BFF3713-E9DC-3EFF-9F1A-5595384605F8}"/>
+              </a:ext>
+            </a:extLst>
+          </p:cNvPr>
+          <p:cNvSpPr>
+            <a:spLocks noGrp="1"/>
+          </p:cNvSpPr>
+          <p:nvPr>
+            <p:ph idx="1"/>
+          </p:nvPr>
+        </p:nvSpPr>
+        <p:spPr/>
+        <p:txBody>
+          <a:bodyPr/>
+          <a:lstStyle/>
+          <a:p>
+            <a:r>
+              <a:rPr lang="en-AU" sz="1600" b="1" dirty="0"/>
+              <a:t>Challenges: </a:t>
+            </a:r>
+            <a:r>
+              <a:rPr lang="en-AU" sz="1600" dirty="0"/>
+              <a:t>As mentioned before we had difficulties when it came to combing all the separate datasets together, as well as training and testing model. There were also issues of preparing the data, where we realised that in order to combine our portfolios we needed to have similar structures to one another. This caused us to adjust our code so it would be able to align together With every problem that occurred we would all work together in order to solve the ordeal, with everyone's support we managed to overcome issues quickly via solving and correcting ones work. Overall there wasn’t much difficulty other than that, turn to be more or less time consuming on some parts than others.</a:t>
+            </a:r>
+          </a:p>
+          <a:p>
+            <a:r>
+              <a:rPr lang="en-AU" sz="1600" b="1" dirty="0"/>
+              <a:t>If we had more time?: </a:t>
+            </a:r>
+            <a:r>
+              <a:rPr lang="en-AU" sz="1600" dirty="0"/>
+              <a:t>With the constricted time frame it definitely limited us seeking more in-depth data and having extra time would of helped us gather more market stocks into our combined portfolio to have a wider range of stocks in our bucket to review the accuracy and the potential of our code. Furthermore we would also be use the time to create more variations of our model to back test and research the possibilities with our code.</a:t>
+            </a:r>
+            <a:endParaRPr lang="en-AU" sz="1600" b="1" dirty="0"/>
+          </a:p>
+        </p:txBody>
+      </p:sp>
+    </p:spTree>
+    <p:extLst>
+      <p:ext uri="{BB962C8B-B14F-4D97-AF65-F5344CB8AC3E}">
+        <p14:creationId xmlns:p14="http://schemas.microsoft.com/office/powerpoint/2010/main" val="726279768"/>
+      </p:ext>
+    </p:extLst>
+  </p:cSld>
+  <p:clrMapOvr>
+    <a:masterClrMapping/>
+  </p:clrMapOvr>
+</p:sld>
+</file>
+
+<file path=ppt/slides/slide14.xml><?xml version="1.0" encoding="utf-8"?>
+<p:sld xmlns:a="http://schemas.openxmlformats.org/drawingml/2006/main" xmlns:r="http://schemas.openxmlformats.org/officeDocument/2006/relationships" xmlns:p="http://schemas.openxmlformats.org/presentationml/2006/main">
+  <p:cSld>
+    <p:spTree>
+      <p:nvGrpSpPr>
+        <p:cNvPr id="1" name=""/>
+        <p:cNvGrpSpPr/>
+        <p:nvPr/>
+      </p:nvGrpSpPr>
+      <p:grpSpPr>
+        <a:xfrm>
+          <a:off x="0" y="0"/>
+          <a:ext cx="0" cy="0"/>
+          <a:chOff x="0" y="0"/>
+          <a:chExt cx="0" cy="0"/>
+        </a:xfrm>
+      </p:grpSpPr>
+      <p:sp>
+        <p:nvSpPr>
+          <p:cNvPr id="2" name="Title 1">
+            <a:extLst>
+              <a:ext uri="{FF2B5EF4-FFF2-40B4-BE49-F238E27FC236}">
+                <a16:creationId xmlns:a16="http://schemas.microsoft.com/office/drawing/2014/main" id="{D5FB9D75-AE81-B0E7-297C-E0DA41F1BAFE}"/>
+              </a:ext>
+            </a:extLst>
+          </p:cNvPr>
+          <p:cNvSpPr>
+            <a:spLocks noGrp="1"/>
+          </p:cNvSpPr>
+          <p:nvPr>
+            <p:ph type="title"/>
+          </p:nvPr>
+        </p:nvSpPr>
+        <p:spPr/>
+        <p:txBody>
+          <a:bodyPr/>
+          <a:lstStyle/>
+          <a:p>
+            <a:r>
+              <a:rPr lang="en-AU" dirty="0"/>
+              <a:t>Q&amp;A</a:t>
+            </a:r>
+          </a:p>
+        </p:txBody>
+      </p:sp>
+      <p:sp>
+        <p:nvSpPr>
+          <p:cNvPr id="3" name="Content Placeholder 2">
+            <a:extLst>
+              <a:ext uri="{FF2B5EF4-FFF2-40B4-BE49-F238E27FC236}">
+                <a16:creationId xmlns:a16="http://schemas.microsoft.com/office/drawing/2014/main" id="{292EF6E7-C4D8-E0F4-D9B7-DEE9E9BA4ACD}"/>
+              </a:ext>
+            </a:extLst>
+          </p:cNvPr>
+          <p:cNvSpPr>
+            <a:spLocks noGrp="1"/>
+          </p:cNvSpPr>
+          <p:nvPr>
+            <p:ph idx="1"/>
+          </p:nvPr>
+        </p:nvSpPr>
+        <p:spPr>
+          <a:xfrm>
+            <a:off x="1732704" y="2529444"/>
+            <a:ext cx="8946541" cy="2103911"/>
+          </a:xfrm>
+        </p:spPr>
+        <p:txBody>
+          <a:bodyPr>
+            <a:normAutofit/>
+          </a:bodyPr>
+          <a:lstStyle/>
+          <a:p>
+            <a:r>
+              <a:rPr lang="en-AU" sz="7200" dirty="0"/>
+              <a:t>ANY QUESTIONS?</a:t>
+            </a:r>
+          </a:p>
+        </p:txBody>
+      </p:sp>
+    </p:spTree>
+    <p:extLst>
+      <p:ext uri="{BB962C8B-B14F-4D97-AF65-F5344CB8AC3E}">
+        <p14:creationId xmlns:p14="http://schemas.microsoft.com/office/powerpoint/2010/main" val="148150724"/>
+      </p:ext>
+    </p:extLst>
+  </p:cSld>
+  <p:clrMapOvr>
+    <a:masterClrMapping/>
+  </p:clrMapOvr>
+</p:sld>
+</file>
+
 <file path=ppt/slides/slide2.xml><?xml version="1.0" encoding="utf-8"?>
 <p:sld xmlns:a="http://schemas.openxmlformats.org/drawingml/2006/main" xmlns:r="http://schemas.openxmlformats.org/officeDocument/2006/relationships" xmlns:p="http://schemas.openxmlformats.org/presentationml/2006/main">
   <p:cSld>
@@ -7074,7 +7592,7 @@
           <a:p>
             <a:r>
               <a:rPr lang="en-AU" dirty="0"/>
-              <a:t>Model Tuning	</a:t>
+              <a:t>Tunning 1 – Increasing Technology Stick Shares	</a:t>
             </a:r>
           </a:p>
         </p:txBody>
@@ -7097,22 +7615,78 @@
         </p:nvSpPr>
         <p:spPr/>
         <p:txBody>
-          <a:bodyPr/>
+          <a:bodyPr>
+            <a:normAutofit/>
+          </a:bodyPr>
           <a:lstStyle/>
           <a:p>
             <a:r>
               <a:rPr lang="en-AU" sz="2800" dirty="0"/>
-              <a:t>We also tuned the models by adjusting the investment portfolio and the following is the predicted result with more shares for heavy stocks we got more accurate predictions. </a:t>
-            </a:r>
-          </a:p>
-          <a:p>
-            <a:r>
-              <a:rPr lang="en-AU" sz="3200" dirty="0"/>
-              <a:t>DEMONSTRATION: </a:t>
-            </a:r>
-          </a:p>
-        </p:txBody>
-      </p:sp>
+              <a:t>We also tuned the models by adjusting the investment portfolio</a:t>
+            </a:r>
+          </a:p>
+          <a:p>
+            <a:r>
+              <a:rPr lang="en-AU" sz="2800" dirty="0"/>
+              <a:t>Adjust 1: increase the shares of the technology stocks (Tesla and Amazon)</a:t>
+            </a:r>
+          </a:p>
+          <a:p>
+            <a:endParaRPr lang="en-AU" sz="2800" dirty="0"/>
+          </a:p>
+          <a:p>
+            <a:endParaRPr lang="en-AU" sz="2800" dirty="0"/>
+          </a:p>
+          <a:p>
+            <a:endParaRPr lang="en-AU" sz="2800" dirty="0"/>
+          </a:p>
+          <a:p>
+            <a:endParaRPr lang="en-AU" sz="2800" dirty="0"/>
+          </a:p>
+          <a:p>
+            <a:endParaRPr lang="en-AU" sz="2800" dirty="0"/>
+          </a:p>
+          <a:p>
+            <a:endParaRPr lang="en-AU" sz="2800" dirty="0"/>
+          </a:p>
+        </p:txBody>
+      </p:sp>
+      <p:pic>
+        <p:nvPicPr>
+          <p:cNvPr id="5" name="Picture 4" descr="Text&#10;&#10;Description automatically generated">
+            <a:extLst>
+              <a:ext uri="{FF2B5EF4-FFF2-40B4-BE49-F238E27FC236}">
+                <a16:creationId xmlns:a16="http://schemas.microsoft.com/office/drawing/2014/main" id="{FAAFB4CA-5BDF-26E0-7E09-CD15F632F959}"/>
+              </a:ext>
+            </a:extLst>
+          </p:cNvPr>
+          <p:cNvPicPr>
+            <a:picLocks noChangeAspect="1"/>
+          </p:cNvPicPr>
+          <p:nvPr/>
+        </p:nvPicPr>
+        <p:blipFill>
+          <a:blip r:embed="rId2">
+            <a:extLst>
+              <a:ext uri="{28A0092B-C50C-407E-A947-70E740481C1C}">
+                <a14:useLocalDpi xmlns:a14="http://schemas.microsoft.com/office/drawing/2010/main" val="0"/>
+              </a:ext>
+            </a:extLst>
+          </a:blip>
+          <a:stretch>
+            <a:fillRect/>
+          </a:stretch>
+        </p:blipFill>
+        <p:spPr>
+          <a:xfrm>
+            <a:off x="1430335" y="4451319"/>
+            <a:ext cx="8281835" cy="1953963"/>
+          </a:xfrm>
+          <a:prstGeom prst="rect">
+            <a:avLst/>
+          </a:prstGeom>
+        </p:spPr>
+      </p:pic>
     </p:spTree>
     <p:extLst>
       <p:ext uri="{BB962C8B-B14F-4D97-AF65-F5344CB8AC3E}">
@@ -7148,7 +7722,7 @@
           <p:cNvPr id="2" name="Title 1">
             <a:extLst>
               <a:ext uri="{FF2B5EF4-FFF2-40B4-BE49-F238E27FC236}">
-                <a16:creationId xmlns:a16="http://schemas.microsoft.com/office/drawing/2014/main" id="{4C2938DF-86CD-6076-35E4-931126A327EB}"/>
+                <a16:creationId xmlns:a16="http://schemas.microsoft.com/office/drawing/2014/main" id="{B9DC1945-77EF-7C71-E3F1-38B0014A5625}"/>
               </a:ext>
             </a:extLst>
           </p:cNvPr>
@@ -7166,58 +7740,50 @@
           <a:p>
             <a:r>
               <a:rPr lang="en-AU" dirty="0"/>
-              <a:t>Adversities and Trials </a:t>
-            </a:r>
-          </a:p>
-        </p:txBody>
-      </p:sp>
-      <p:sp>
-        <p:nvSpPr>
-          <p:cNvPr id="3" name="Content Placeholder 2">
+              <a:t>Tunning 1- SVR Model</a:t>
+            </a:r>
+          </a:p>
+        </p:txBody>
+      </p:sp>
+      <p:pic>
+        <p:nvPicPr>
+          <p:cNvPr id="5" name="Content Placeholder 4" descr="Chart, line chart&#10;&#10;Description automatically generated">
             <a:extLst>
               <a:ext uri="{FF2B5EF4-FFF2-40B4-BE49-F238E27FC236}">
-                <a16:creationId xmlns:a16="http://schemas.microsoft.com/office/drawing/2014/main" id="{7BFF3713-E9DC-3EFF-9F1A-5595384605F8}"/>
+                <a16:creationId xmlns:a16="http://schemas.microsoft.com/office/drawing/2014/main" id="{CC3D2875-7745-93F6-AE4A-65D5C490D29C}"/>
               </a:ext>
             </a:extLst>
           </p:cNvPr>
-          <p:cNvSpPr>
-            <a:spLocks noGrp="1"/>
-          </p:cNvSpPr>
+          <p:cNvPicPr>
+            <a:picLocks noGrp="1" noChangeAspect="1"/>
+          </p:cNvPicPr>
           <p:nvPr>
             <p:ph idx="1"/>
           </p:nvPr>
-        </p:nvSpPr>
-        <p:spPr/>
-        <p:txBody>
-          <a:bodyPr/>
-          <a:lstStyle/>
-          <a:p>
-            <a:r>
-              <a:rPr lang="en-AU" sz="1600" b="1" dirty="0"/>
-              <a:t>Challenges: </a:t>
-            </a:r>
-            <a:r>
-              <a:rPr lang="en-AU" sz="1600" dirty="0"/>
-              <a:t>As mentioned before we had difficulties when it came to combing all the separate datasets together, as well as training and testing model. There were also issues of preparing the data, where we realised that in order to combine our portfolios we needed to have similar structures to one another. This caused us to adjust our code so it would be able to align together With every problem that occurred we would all work together in order to solve the ordeal, with everyone's support we managed to overcome issues quickly via solving and correcting ones work. Overall there wasn’t much difficulty other than that, turn to be more or less time consuming on some parts than others.</a:t>
-            </a:r>
-          </a:p>
-          <a:p>
-            <a:r>
-              <a:rPr lang="en-AU" sz="1600" b="1" dirty="0"/>
-              <a:t>If we had more time?: </a:t>
-            </a:r>
-            <a:r>
-              <a:rPr lang="en-AU" sz="1600" dirty="0"/>
-              <a:t>With the constricted time frame it definitely limited us seeking more in-depth data and having extra time would of helped us gather more market stocks into our combined portfolio to have a wider range of stocks in our bucket to review the accuracy and the potential of our code. Furthermore we would also be use the time to create more variations of our model to back test and research the possibilities with our code.</a:t>
-            </a:r>
-            <a:endParaRPr lang="en-AU" sz="1600" b="1" dirty="0"/>
-          </a:p>
-        </p:txBody>
-      </p:sp>
+        </p:nvPicPr>
+        <p:blipFill>
+          <a:blip r:embed="rId2">
+            <a:extLst>
+              <a:ext uri="{28A0092B-C50C-407E-A947-70E740481C1C}">
+                <a14:useLocalDpi xmlns:a14="http://schemas.microsoft.com/office/drawing/2010/main" val="0"/>
+              </a:ext>
+            </a:extLst>
+          </a:blip>
+          <a:stretch>
+            <a:fillRect/>
+          </a:stretch>
+        </p:blipFill>
+        <p:spPr>
+          <a:xfrm>
+            <a:off x="771526" y="2052638"/>
+            <a:ext cx="4591049" cy="4224337"/>
+          </a:xfrm>
+        </p:spPr>
+      </p:pic>
     </p:spTree>
     <p:extLst>
       <p:ext uri="{BB962C8B-B14F-4D97-AF65-F5344CB8AC3E}">
-        <p14:creationId xmlns:p14="http://schemas.microsoft.com/office/powerpoint/2010/main" val="726279768"/>
+        <p14:creationId xmlns:p14="http://schemas.microsoft.com/office/powerpoint/2010/main" val="1298630790"/>
       </p:ext>
     </p:extLst>
   </p:cSld>
@@ -7249,7 +7815,7 @@
           <p:cNvPr id="2" name="Title 1">
             <a:extLst>
               <a:ext uri="{FF2B5EF4-FFF2-40B4-BE49-F238E27FC236}">
-                <a16:creationId xmlns:a16="http://schemas.microsoft.com/office/drawing/2014/main" id="{D5FB9D75-AE81-B0E7-297C-E0DA41F1BAFE}"/>
+                <a16:creationId xmlns:a16="http://schemas.microsoft.com/office/drawing/2014/main" id="{5FD4233E-26B9-D281-0C87-C16B4A6FBD31}"/>
               </a:ext>
             </a:extLst>
           </p:cNvPr>
@@ -7267,50 +7833,58 @@
           <a:p>
             <a:r>
               <a:rPr lang="en-AU" dirty="0"/>
-              <a:t>Q&amp;A</a:t>
-            </a:r>
-          </a:p>
-        </p:txBody>
-      </p:sp>
-      <p:sp>
-        <p:nvSpPr>
-          <p:cNvPr id="3" name="Content Placeholder 2">
+              <a:t>Tunning 1 – </a:t>
+            </a:r>
+            <a:r>
+              <a:rPr lang="en-AU" dirty="0" err="1"/>
+              <a:t>Neighbors</a:t>
+            </a:r>
+            <a:r>
+              <a:rPr lang="en-AU" dirty="0"/>
+              <a:t> Model</a:t>
+            </a:r>
+          </a:p>
+        </p:txBody>
+      </p:sp>
+      <p:pic>
+        <p:nvPicPr>
+          <p:cNvPr id="5" name="Content Placeholder 4" descr="Graphical user interface, chart, line chart&#10;&#10;Description automatically generated">
             <a:extLst>
               <a:ext uri="{FF2B5EF4-FFF2-40B4-BE49-F238E27FC236}">
-                <a16:creationId xmlns:a16="http://schemas.microsoft.com/office/drawing/2014/main" id="{292EF6E7-C4D8-E0F4-D9B7-DEE9E9BA4ACD}"/>
+                <a16:creationId xmlns:a16="http://schemas.microsoft.com/office/drawing/2014/main" id="{F01642CD-D901-1D5C-B0C6-1179FC6FC9BE}"/>
               </a:ext>
             </a:extLst>
           </p:cNvPr>
-          <p:cNvSpPr>
-            <a:spLocks noGrp="1"/>
-          </p:cNvSpPr>
+          <p:cNvPicPr>
+            <a:picLocks noGrp="1" noChangeAspect="1"/>
+          </p:cNvPicPr>
           <p:nvPr>
             <p:ph idx="1"/>
           </p:nvPr>
-        </p:nvSpPr>
+        </p:nvPicPr>
+        <p:blipFill>
+          <a:blip r:embed="rId2">
+            <a:extLst>
+              <a:ext uri="{28A0092B-C50C-407E-A947-70E740481C1C}">
+                <a14:useLocalDpi xmlns:a14="http://schemas.microsoft.com/office/drawing/2010/main" val="0"/>
+              </a:ext>
+            </a:extLst>
+          </a:blip>
+          <a:stretch>
+            <a:fillRect/>
+          </a:stretch>
+        </p:blipFill>
         <p:spPr>
           <a:xfrm>
-            <a:off x="1732704" y="2529444"/>
-            <a:ext cx="8946541" cy="2103911"/>
+            <a:off x="736474" y="2100263"/>
+            <a:ext cx="4578476" cy="4419360"/>
           </a:xfrm>
         </p:spPr>
-        <p:txBody>
-          <a:bodyPr>
-            <a:normAutofit/>
-          </a:bodyPr>
-          <a:lstStyle/>
-          <a:p>
-            <a:r>
-              <a:rPr lang="en-AU" sz="7200" dirty="0"/>
-              <a:t>ANY QUESTIONS?</a:t>
-            </a:r>
-          </a:p>
-        </p:txBody>
-      </p:sp>
+      </p:pic>
     </p:spTree>
     <p:extLst>
       <p:ext uri="{BB962C8B-B14F-4D97-AF65-F5344CB8AC3E}">
-        <p14:creationId xmlns:p14="http://schemas.microsoft.com/office/powerpoint/2010/main" val="148150724"/>
+        <p14:creationId xmlns:p14="http://schemas.microsoft.com/office/powerpoint/2010/main" val="3181636631"/>
       </p:ext>
     </p:extLst>
   </p:cSld>

--- a/Stock Price Predictions & Analysis.pptx
+++ b/Stock Price Predictions & Analysis.pptx
@@ -12,8 +12,9 @@
     <p:sldId id="260" r:id="rId6"/>
     <p:sldId id="261" r:id="rId7"/>
     <p:sldId id="264" r:id="rId8"/>
-    <p:sldId id="262" r:id="rId9"/>
-    <p:sldId id="263" r:id="rId10"/>
+    <p:sldId id="265" r:id="rId9"/>
+    <p:sldId id="262" r:id="rId10"/>
+    <p:sldId id="263" r:id="rId11"/>
   </p:sldIdLst>
   <p:sldSz cx="12192000" cy="6858000"/>
   <p:notesSz cx="6858000" cy="9144000"/>
@@ -6176,6 +6177,99 @@
 </p:sld>
 </file>
 
+<file path=ppt/slides/slide10.xml><?xml version="1.0" encoding="utf-8"?>
+<p:sld xmlns:a="http://schemas.openxmlformats.org/drawingml/2006/main" xmlns:r="http://schemas.openxmlformats.org/officeDocument/2006/relationships" xmlns:p="http://schemas.openxmlformats.org/presentationml/2006/main">
+  <p:cSld>
+    <p:spTree>
+      <p:nvGrpSpPr>
+        <p:cNvPr id="1" name=""/>
+        <p:cNvGrpSpPr/>
+        <p:nvPr/>
+      </p:nvGrpSpPr>
+      <p:grpSpPr>
+        <a:xfrm>
+          <a:off x="0" y="0"/>
+          <a:ext cx="0" cy="0"/>
+          <a:chOff x="0" y="0"/>
+          <a:chExt cx="0" cy="0"/>
+        </a:xfrm>
+      </p:grpSpPr>
+      <p:sp>
+        <p:nvSpPr>
+          <p:cNvPr id="2" name="Title 1">
+            <a:extLst>
+              <a:ext uri="{FF2B5EF4-FFF2-40B4-BE49-F238E27FC236}">
+                <a16:creationId xmlns:a16="http://schemas.microsoft.com/office/drawing/2014/main" id="{D5FB9D75-AE81-B0E7-297C-E0DA41F1BAFE}"/>
+              </a:ext>
+            </a:extLst>
+          </p:cNvPr>
+          <p:cNvSpPr>
+            <a:spLocks noGrp="1"/>
+          </p:cNvSpPr>
+          <p:nvPr>
+            <p:ph type="title"/>
+          </p:nvPr>
+        </p:nvSpPr>
+        <p:spPr/>
+        <p:txBody>
+          <a:bodyPr/>
+          <a:lstStyle/>
+          <a:p>
+            <a:r>
+              <a:rPr lang="en-AU" dirty="0"/>
+              <a:t>Q&amp;A</a:t>
+            </a:r>
+          </a:p>
+        </p:txBody>
+      </p:sp>
+      <p:sp>
+        <p:nvSpPr>
+          <p:cNvPr id="3" name="Content Placeholder 2">
+            <a:extLst>
+              <a:ext uri="{FF2B5EF4-FFF2-40B4-BE49-F238E27FC236}">
+                <a16:creationId xmlns:a16="http://schemas.microsoft.com/office/drawing/2014/main" id="{292EF6E7-C4D8-E0F4-D9B7-DEE9E9BA4ACD}"/>
+              </a:ext>
+            </a:extLst>
+          </p:cNvPr>
+          <p:cNvSpPr>
+            <a:spLocks noGrp="1"/>
+          </p:cNvSpPr>
+          <p:nvPr>
+            <p:ph idx="1"/>
+          </p:nvPr>
+        </p:nvSpPr>
+        <p:spPr>
+          <a:xfrm>
+            <a:off x="1732704" y="2529444"/>
+            <a:ext cx="8946541" cy="2103911"/>
+          </a:xfrm>
+        </p:spPr>
+        <p:txBody>
+          <a:bodyPr>
+            <a:normAutofit/>
+          </a:bodyPr>
+          <a:lstStyle/>
+          <a:p>
+            <a:r>
+              <a:rPr lang="en-AU" sz="7200" dirty="0"/>
+              <a:t>ANY QUESTIONS?</a:t>
+            </a:r>
+          </a:p>
+        </p:txBody>
+      </p:sp>
+    </p:spTree>
+    <p:extLst>
+      <p:ext uri="{BB962C8B-B14F-4D97-AF65-F5344CB8AC3E}">
+        <p14:creationId xmlns:p14="http://schemas.microsoft.com/office/powerpoint/2010/main" val="148150724"/>
+      </p:ext>
+    </p:extLst>
+  </p:cSld>
+  <p:clrMapOvr>
+    <a:masterClrMapping/>
+  </p:clrMapOvr>
+</p:sld>
+</file>
+
 <file path=ppt/slides/slide2.xml><?xml version="1.0" encoding="utf-8"?>
 <p:sld xmlns:a="http://schemas.openxmlformats.org/drawingml/2006/main" xmlns:r="http://schemas.openxmlformats.org/officeDocument/2006/relationships" xmlns:p="http://schemas.openxmlformats.org/presentationml/2006/main">
   <p:cSld>
@@ -6873,9 +6967,14 @@
             </a:r>
             <a:r>
               <a:rPr lang="en-AU" dirty="0"/>
-              <a:t>We finally finished the model and ensure that it works with its prediction being close estimates to the actual values of the portfolio returns. However to validate the validity of our code we must make sure the model is valid by back testing the KNN model to compare the two data. Fortunately for us the KNN model also shows similar results. We discovered that the KNN models prediction lies slightly higher than the SVR. Overall however with the two models values residing closely to on another we are confident with the support of the graph plots and back testing data. Our findings show that the model is suitable and works for predicting portfolio returns.</a:t>
-            </a:r>
-            <a:endParaRPr lang="en-AU" b="1" dirty="0"/>
+              <a:t>We finally finished the model and ensure that it worked with its prediction being close estimates to the actual values of the portfolio returns. However, to validate the validity of our code we must make sure the model is valid by back-testing the KNN model to compare the two data. Fortunately for us, the KNN model also shows similar results. We discovered that the KNN models prediction lies slightly higher than the SVR. Overall however with the two models’ values residing closely to one another we are confident with the support of the graph plots and back testing data. Our findings show that the model is suitable and works for predicting portfolio returns.</a:t>
+            </a:r>
+          </a:p>
+          <a:p>
+            <a:r>
+              <a:rPr lang="en-AU" sz="1600" dirty="0"/>
+              <a:t>(When looking at the result graphs, please keep in mind that the numbers are relatively close to each other, and that is why the result may seem really different.)</a:t>
+            </a:r>
           </a:p>
         </p:txBody>
       </p:sp>
@@ -7095,14 +7194,19 @@
             <p:ph idx="1"/>
           </p:nvPr>
         </p:nvSpPr>
-        <p:spPr/>
+        <p:spPr>
+          <a:xfrm>
+            <a:off x="419971" y="1512313"/>
+            <a:ext cx="8946541" cy="4195481"/>
+          </a:xfrm>
+        </p:spPr>
         <p:txBody>
           <a:bodyPr/>
           <a:lstStyle/>
           <a:p>
             <a:r>
               <a:rPr lang="en-AU" sz="2800" dirty="0"/>
-              <a:t>We also tuned the models by adjusting the investment portfolio and the following is the predicted result with more shares for heavy stocks we got more accurate predictions. </a:t>
+              <a:t>We also tuned the models by adjusting the investment portfolio and the following is the predicted result, with more shares for heavy stocks we got more accurate predictions. </a:t>
             </a:r>
           </a:p>
           <a:p>
@@ -7111,8 +7215,82 @@
               <a:t>DEMONSTRATION: </a:t>
             </a:r>
           </a:p>
-        </p:txBody>
-      </p:sp>
+          <a:p>
+            <a:endParaRPr lang="en-AU" sz="3200" dirty="0"/>
+          </a:p>
+        </p:txBody>
+      </p:sp>
+      <p:pic>
+        <p:nvPicPr>
+          <p:cNvPr id="7" name="Picture 6" descr="Text&#10;&#10;Description automatically generated">
+            <a:extLst>
+              <a:ext uri="{FF2B5EF4-FFF2-40B4-BE49-F238E27FC236}">
+                <a16:creationId xmlns:a16="http://schemas.microsoft.com/office/drawing/2014/main" id="{202C52B9-2F42-C070-1AD2-D0AABE162DF0}"/>
+              </a:ext>
+            </a:extLst>
+          </p:cNvPr>
+          <p:cNvPicPr>
+            <a:picLocks noChangeAspect="1"/>
+          </p:cNvPicPr>
+          <p:nvPr/>
+        </p:nvPicPr>
+        <p:blipFill>
+          <a:blip r:embed="rId2">
+            <a:extLst>
+              <a:ext uri="{28A0092B-C50C-407E-A947-70E740481C1C}">
+                <a14:useLocalDpi xmlns:a14="http://schemas.microsoft.com/office/drawing/2010/main" val="0"/>
+              </a:ext>
+            </a:extLst>
+          </a:blip>
+          <a:stretch>
+            <a:fillRect/>
+          </a:stretch>
+        </p:blipFill>
+        <p:spPr>
+          <a:xfrm>
+            <a:off x="772285" y="5441271"/>
+            <a:ext cx="7334411" cy="981169"/>
+          </a:xfrm>
+          <a:prstGeom prst="rect">
+            <a:avLst/>
+          </a:prstGeom>
+        </p:spPr>
+      </p:pic>
+      <p:pic>
+        <p:nvPicPr>
+          <p:cNvPr id="9" name="Picture 8" descr="Text&#10;&#10;Description automatically generated">
+            <a:extLst>
+              <a:ext uri="{FF2B5EF4-FFF2-40B4-BE49-F238E27FC236}">
+                <a16:creationId xmlns:a16="http://schemas.microsoft.com/office/drawing/2014/main" id="{3931790F-000C-9ACF-D030-55D8D55421AF}"/>
+              </a:ext>
+            </a:extLst>
+          </p:cNvPr>
+          <p:cNvPicPr>
+            <a:picLocks noChangeAspect="1"/>
+          </p:cNvPicPr>
+          <p:nvPr/>
+        </p:nvPicPr>
+        <p:blipFill rotWithShape="1">
+          <a:blip r:embed="rId3">
+            <a:extLst>
+              <a:ext uri="{28A0092B-C50C-407E-A947-70E740481C1C}">
+                <a14:useLocalDpi xmlns:a14="http://schemas.microsoft.com/office/drawing/2010/main" val="0"/>
+              </a:ext>
+            </a:extLst>
+          </a:blip>
+          <a:srcRect t="23428"/>
+          <a:stretch/>
+        </p:blipFill>
+        <p:spPr>
+          <a:xfrm>
+            <a:off x="772285" y="4034257"/>
+            <a:ext cx="6508044" cy="1225414"/>
+          </a:xfrm>
+          <a:prstGeom prst="rect">
+            <a:avLst/>
+          </a:prstGeom>
+        </p:spPr>
+      </p:pic>
     </p:spTree>
     <p:extLst>
       <p:ext uri="{BB962C8B-B14F-4D97-AF65-F5344CB8AC3E}">
@@ -7143,81 +7321,82 @@
           <a:chExt cx="0" cy="0"/>
         </a:xfrm>
       </p:grpSpPr>
-      <p:sp>
-        <p:nvSpPr>
-          <p:cNvPr id="2" name="Title 1">
+      <p:pic>
+        <p:nvPicPr>
+          <p:cNvPr id="3" name="Picture 2" descr="Chart, line chart&#10;&#10;Description automatically generated">
             <a:extLst>
               <a:ext uri="{FF2B5EF4-FFF2-40B4-BE49-F238E27FC236}">
-                <a16:creationId xmlns:a16="http://schemas.microsoft.com/office/drawing/2014/main" id="{4C2938DF-86CD-6076-35E4-931126A327EB}"/>
+                <a16:creationId xmlns:a16="http://schemas.microsoft.com/office/drawing/2014/main" id="{2A8095F1-8E0A-6E9C-F932-12D9AA5D4418}"/>
               </a:ext>
             </a:extLst>
           </p:cNvPr>
-          <p:cNvSpPr>
-            <a:spLocks noGrp="1"/>
-          </p:cNvSpPr>
-          <p:nvPr>
-            <p:ph type="title"/>
-          </p:nvPr>
-        </p:nvSpPr>
-        <p:spPr/>
-        <p:txBody>
-          <a:bodyPr/>
-          <a:lstStyle/>
-          <a:p>
-            <a:r>
-              <a:rPr lang="en-AU" dirty="0"/>
-              <a:t>Adversities and Trials </a:t>
-            </a:r>
-          </a:p>
-        </p:txBody>
-      </p:sp>
-      <p:sp>
-        <p:nvSpPr>
-          <p:cNvPr id="3" name="Content Placeholder 2">
+          <p:cNvPicPr>
+            <a:picLocks noChangeAspect="1"/>
+          </p:cNvPicPr>
+          <p:nvPr/>
+        </p:nvPicPr>
+        <p:blipFill>
+          <a:blip r:embed="rId2">
+            <a:extLst>
+              <a:ext uri="{28A0092B-C50C-407E-A947-70E740481C1C}">
+                <a14:useLocalDpi xmlns:a14="http://schemas.microsoft.com/office/drawing/2010/main" val="0"/>
+              </a:ext>
+            </a:extLst>
+          </a:blip>
+          <a:stretch>
+            <a:fillRect/>
+          </a:stretch>
+        </p:blipFill>
+        <p:spPr>
+          <a:xfrm>
+            <a:off x="629015" y="1793855"/>
+            <a:ext cx="4942564" cy="4904408"/>
+          </a:xfrm>
+          <a:prstGeom prst="rect">
+            <a:avLst/>
+          </a:prstGeom>
+        </p:spPr>
+      </p:pic>
+      <p:pic>
+        <p:nvPicPr>
+          <p:cNvPr id="5" name="Picture 4" descr="Graphical user interface, chart, line chart&#10;&#10;Description automatically generated">
             <a:extLst>
               <a:ext uri="{FF2B5EF4-FFF2-40B4-BE49-F238E27FC236}">
-                <a16:creationId xmlns:a16="http://schemas.microsoft.com/office/drawing/2014/main" id="{7BFF3713-E9DC-3EFF-9F1A-5595384605F8}"/>
+                <a16:creationId xmlns:a16="http://schemas.microsoft.com/office/drawing/2014/main" id="{7A457FB2-155D-EF71-FAF9-66D04B40FD58}"/>
               </a:ext>
             </a:extLst>
           </p:cNvPr>
-          <p:cNvSpPr>
-            <a:spLocks noGrp="1"/>
-          </p:cNvSpPr>
-          <p:nvPr>
-            <p:ph idx="1"/>
-          </p:nvPr>
-        </p:nvSpPr>
-        <p:spPr/>
-        <p:txBody>
-          <a:bodyPr/>
-          <a:lstStyle/>
-          <a:p>
-            <a:r>
-              <a:rPr lang="en-AU" sz="1600" b="1" dirty="0"/>
-              <a:t>Challenges: </a:t>
-            </a:r>
-            <a:r>
-              <a:rPr lang="en-AU" sz="1600" dirty="0"/>
-              <a:t>As mentioned before we had difficulties when it came to combing all the separate datasets together, as well as training and testing model. There were also issues of preparing the data, where we realised that in order to combine our portfolios we needed to have similar structures to one another. This caused us to adjust our code so it would be able to align together With every problem that occurred we would all work together in order to solve the ordeal, with everyone's support we managed to overcome issues quickly via solving and correcting ones work. Overall there wasn’t much difficulty other than that, turn to be more or less time consuming on some parts than others.</a:t>
-            </a:r>
-          </a:p>
-          <a:p>
-            <a:r>
-              <a:rPr lang="en-AU" sz="1600" b="1" dirty="0"/>
-              <a:t>If we had more time?: </a:t>
-            </a:r>
-            <a:r>
-              <a:rPr lang="en-AU" sz="1600" dirty="0"/>
-              <a:t>With the constricted time frame it definitely limited us seeking more in-depth data and having extra time would of helped us gather more market stocks into our combined portfolio to have a wider range of stocks in our bucket to review the accuracy and the potential of our code. Furthermore we would also be use the time to create more variations of our model to back test and research the possibilities with our code.</a:t>
-            </a:r>
-            <a:endParaRPr lang="en-AU" sz="1600" b="1" dirty="0"/>
-          </a:p>
-        </p:txBody>
-      </p:sp>
+          <p:cNvPicPr>
+            <a:picLocks noChangeAspect="1"/>
+          </p:cNvPicPr>
+          <p:nvPr/>
+        </p:nvPicPr>
+        <p:blipFill>
+          <a:blip r:embed="rId3">
+            <a:extLst>
+              <a:ext uri="{28A0092B-C50C-407E-A947-70E740481C1C}">
+                <a14:useLocalDpi xmlns:a14="http://schemas.microsoft.com/office/drawing/2010/main" val="0"/>
+              </a:ext>
+            </a:extLst>
+          </a:blip>
+          <a:stretch>
+            <a:fillRect/>
+          </a:stretch>
+        </p:blipFill>
+        <p:spPr>
+          <a:xfrm>
+            <a:off x="5873317" y="1816717"/>
+            <a:ext cx="4994648" cy="4904408"/>
+          </a:xfrm>
+          <a:prstGeom prst="rect">
+            <a:avLst/>
+          </a:prstGeom>
+        </p:spPr>
+      </p:pic>
     </p:spTree>
     <p:extLst>
       <p:ext uri="{BB962C8B-B14F-4D97-AF65-F5344CB8AC3E}">
-        <p14:creationId xmlns:p14="http://schemas.microsoft.com/office/powerpoint/2010/main" val="726279768"/>
+        <p14:creationId xmlns:p14="http://schemas.microsoft.com/office/powerpoint/2010/main" val="173302431"/>
       </p:ext>
     </p:extLst>
   </p:cSld>
@@ -7249,7 +7428,7 @@
           <p:cNvPr id="2" name="Title 1">
             <a:extLst>
               <a:ext uri="{FF2B5EF4-FFF2-40B4-BE49-F238E27FC236}">
-                <a16:creationId xmlns:a16="http://schemas.microsoft.com/office/drawing/2014/main" id="{D5FB9D75-AE81-B0E7-297C-E0DA41F1BAFE}"/>
+                <a16:creationId xmlns:a16="http://schemas.microsoft.com/office/drawing/2014/main" id="{4C2938DF-86CD-6076-35E4-931126A327EB}"/>
               </a:ext>
             </a:extLst>
           </p:cNvPr>
@@ -7267,7 +7446,7 @@
           <a:p>
             <a:r>
               <a:rPr lang="en-AU" dirty="0"/>
-              <a:t>Q&amp;A</a:t>
+              <a:t>Adversities and Trials </a:t>
             </a:r>
           </a:p>
         </p:txBody>
@@ -7277,7 +7456,7 @@
           <p:cNvPr id="3" name="Content Placeholder 2">
             <a:extLst>
               <a:ext uri="{FF2B5EF4-FFF2-40B4-BE49-F238E27FC236}">
-                <a16:creationId xmlns:a16="http://schemas.microsoft.com/office/drawing/2014/main" id="{292EF6E7-C4D8-E0F4-D9B7-DEE9E9BA4ACD}"/>
+                <a16:creationId xmlns:a16="http://schemas.microsoft.com/office/drawing/2014/main" id="{7BFF3713-E9DC-3EFF-9F1A-5595384605F8}"/>
               </a:ext>
             </a:extLst>
           </p:cNvPr>
@@ -7290,27 +7469,137 @@
         </p:nvSpPr>
         <p:spPr>
           <a:xfrm>
-            <a:off x="1732704" y="2529444"/>
-            <a:ext cx="8946541" cy="2103911"/>
+            <a:off x="646111" y="1506746"/>
+            <a:ext cx="10067511" cy="4940648"/>
           </a:xfrm>
         </p:spPr>
         <p:txBody>
           <a:bodyPr>
-            <a:normAutofit/>
+            <a:normAutofit lnSpcReduction="10000"/>
           </a:bodyPr>
           <a:lstStyle/>
           <a:p>
             <a:r>
-              <a:rPr lang="en-AU" sz="7200" dirty="0"/>
-              <a:t>ANY QUESTIONS?</a:t>
-            </a:r>
+              <a:rPr lang="en-AU" sz="1600" b="1" dirty="0"/>
+              <a:t>Challenges: </a:t>
+            </a:r>
+          </a:p>
+          <a:p>
+            <a:r>
+              <a:rPr lang="en-AU" sz="1400" b="0" dirty="0">
+                <a:effectLst/>
+                <a:latin typeface="+mn-lt"/>
+              </a:rPr>
+              <a:t>- First challenge: </a:t>
+            </a:r>
+            <a:r>
+              <a:rPr lang="en-AU" sz="1400" b="0">
+                <a:effectLst/>
+                <a:latin typeface="+mn-lt"/>
+              </a:rPr>
+              <a:t>combining datasets.</a:t>
+            </a:r>
+            <a:endParaRPr lang="en-AU" sz="1400" b="0" dirty="0">
+              <a:effectLst/>
+              <a:latin typeface="+mn-lt"/>
+            </a:endParaRPr>
+          </a:p>
+          <a:p>
+            <a:r>
+              <a:rPr lang="en-AU" sz="1400" b="0" dirty="0">
+                <a:effectLst/>
+                <a:latin typeface="+mn-lt"/>
+              </a:rPr>
+              <a:t>- The </a:t>
+            </a:r>
+            <a:r>
+              <a:rPr lang="en-AU" sz="1400" dirty="0">
+                <a:latin typeface="+mn-lt"/>
+              </a:rPr>
+              <a:t>second </a:t>
+            </a:r>
+            <a:r>
+              <a:rPr lang="en-AU" sz="1400" b="0" dirty="0">
+                <a:effectLst/>
+                <a:latin typeface="+mn-lt"/>
+              </a:rPr>
+              <a:t>difficulty we had was the conflict between the type of data and the machine learning model. Initially, we selected Support Vector Classifier (SVC) as the model for testing and training continuous stock returns, which proved to be incompatible as SVC could only be applied to categorical data. We solved this problem by switching to another model called Support Vector Regression (SVR).</a:t>
+            </a:r>
+          </a:p>
+          <a:p>
+            <a:r>
+              <a:rPr lang="en-AU" sz="1400" b="0" dirty="0">
+                <a:effectLst/>
+                <a:latin typeface="+mn-lt"/>
+              </a:rPr>
+              <a:t>- When </a:t>
+            </a:r>
+            <a:r>
+              <a:rPr lang="en-AU" sz="1400" b="0" dirty="0" err="1">
+                <a:effectLst/>
+                <a:latin typeface="+mn-lt"/>
+              </a:rPr>
+              <a:t>backtesting</a:t>
+            </a:r>
+            <a:r>
+              <a:rPr lang="en-AU" sz="1400" b="0" dirty="0">
+                <a:effectLst/>
+                <a:latin typeface="+mn-lt"/>
+              </a:rPr>
+              <a:t> with a secondary model, we encountered another conflict between data and model - the Logistic Regression model we intended to use for </a:t>
+            </a:r>
+            <a:r>
+              <a:rPr lang="en-AU" sz="1400" b="0" dirty="0" err="1">
+                <a:effectLst/>
+                <a:latin typeface="+mn-lt"/>
+              </a:rPr>
+              <a:t>backtesting</a:t>
+            </a:r>
+            <a:r>
+              <a:rPr lang="en-AU" sz="1400" b="0" dirty="0">
+                <a:effectLst/>
+                <a:latin typeface="+mn-lt"/>
+              </a:rPr>
+              <a:t> was also not applicable for continuous data. Similarly, we solved this issue by changing to using the K Nearest </a:t>
+            </a:r>
+            <a:r>
+              <a:rPr lang="en-AU" sz="1400" b="0" dirty="0" err="1">
+                <a:effectLst/>
+                <a:latin typeface="+mn-lt"/>
+              </a:rPr>
+              <a:t>Neighbor</a:t>
+            </a:r>
+            <a:r>
+              <a:rPr lang="en-AU" sz="1400" b="0" dirty="0">
+                <a:effectLst/>
+                <a:latin typeface="+mn-lt"/>
+              </a:rPr>
+              <a:t> Regression (KNN) model to analyse continuous data.</a:t>
+            </a:r>
+          </a:p>
+          <a:p>
+            <a:r>
+              <a:rPr lang="en-AU" sz="1600" dirty="0"/>
+              <a:t>With every problem that occurred we would all work together in order to solve the ordeal, with everyone's support we managed to overcome issues quickly via solving and correcting ones work. Overall there wasn’t much difficulty other than that, turn to be more or less time consuming on some parts than others.</a:t>
+            </a:r>
+          </a:p>
+          <a:p>
+            <a:r>
+              <a:rPr lang="en-AU" sz="1600" b="1" dirty="0"/>
+              <a:t>If we had more time?: </a:t>
+            </a:r>
+            <a:r>
+              <a:rPr lang="en-AU" sz="1600" dirty="0"/>
+              <a:t>With the constricted time frame it definitely limited us seeking more in-depth data and having extra time would of helped us gather more market stocks into our combined portfolio to have a wider range of stocks in our bucket to review the accuracy and the potential of our code. Furthermore we would also be use the time to create more variations of our model to back test and research the possibilities with our code.</a:t>
+            </a:r>
+            <a:endParaRPr lang="en-AU" sz="1600" b="1" dirty="0"/>
           </a:p>
         </p:txBody>
       </p:sp>
     </p:spTree>
     <p:extLst>
       <p:ext uri="{BB962C8B-B14F-4D97-AF65-F5344CB8AC3E}">
-        <p14:creationId xmlns:p14="http://schemas.microsoft.com/office/powerpoint/2010/main" val="148150724"/>
+        <p14:creationId xmlns:p14="http://schemas.microsoft.com/office/powerpoint/2010/main" val="726279768"/>
       </p:ext>
     </p:extLst>
   </p:cSld>
